--- a/16_Project_5_Capstone_Project/capstone_project.pptx
+++ b/16_Project_5_Capstone_Project/capstone_project.pptx
@@ -4561,13 +4561,13 @@
           <p:nvPr>
             <p:extLst>
               <p:ext uri="{D42A27DB-BD31-4B8C-83A1-F6EECF244321}">
-                <p14:modId xmlns:p14="http://schemas.microsoft.com/office/powerpoint/2010/main" val="3180872041"/>
+                <p14:modId xmlns:p14="http://schemas.microsoft.com/office/powerpoint/2010/main" val="3928192332"/>
               </p:ext>
             </p:extLst>
           </p:nvPr>
         </p:nvGraphicFramePr>
         <p:xfrm>
-          <a:off x="9260549" y="5229225"/>
+          <a:off x="9122555" y="4369572"/>
           <a:ext cx="2669546" cy="4754880"/>
         </p:xfrm>
         <a:graphic>

--- a/16_Project_5_Capstone_Project/capstone_project.pptx
+++ b/16_Project_5_Capstone_Project/capstone_project.pptx
@@ -244,7 +244,7 @@
           <a:p>
             <a:fld id="{6A87B696-1102-4874-86CF-7F32C533EC34}" type="datetimeFigureOut">
               <a:rPr lang="es-MX" smtClean="0"/>
-              <a:t>19/06/2021</a:t>
+              <a:t>23/06/2021</a:t>
             </a:fld>
             <a:endParaRPr lang="es-MX"/>
           </a:p>
@@ -414,7 +414,7 @@
           <a:p>
             <a:fld id="{6A87B696-1102-4874-86CF-7F32C533EC34}" type="datetimeFigureOut">
               <a:rPr lang="es-MX" smtClean="0"/>
-              <a:t>19/06/2021</a:t>
+              <a:t>23/06/2021</a:t>
             </a:fld>
             <a:endParaRPr lang="es-MX"/>
           </a:p>
@@ -594,7 +594,7 @@
           <a:p>
             <a:fld id="{6A87B696-1102-4874-86CF-7F32C533EC34}" type="datetimeFigureOut">
               <a:rPr lang="es-MX" smtClean="0"/>
-              <a:t>19/06/2021</a:t>
+              <a:t>23/06/2021</a:t>
             </a:fld>
             <a:endParaRPr lang="es-MX"/>
           </a:p>
@@ -764,7 +764,7 @@
           <a:p>
             <a:fld id="{6A87B696-1102-4874-86CF-7F32C533EC34}" type="datetimeFigureOut">
               <a:rPr lang="es-MX" smtClean="0"/>
-              <a:t>19/06/2021</a:t>
+              <a:t>23/06/2021</a:t>
             </a:fld>
             <a:endParaRPr lang="es-MX"/>
           </a:p>
@@ -1008,7 +1008,7 @@
           <a:p>
             <a:fld id="{6A87B696-1102-4874-86CF-7F32C533EC34}" type="datetimeFigureOut">
               <a:rPr lang="es-MX" smtClean="0"/>
-              <a:t>19/06/2021</a:t>
+              <a:t>23/06/2021</a:t>
             </a:fld>
             <a:endParaRPr lang="es-MX"/>
           </a:p>
@@ -1240,7 +1240,7 @@
           <a:p>
             <a:fld id="{6A87B696-1102-4874-86CF-7F32C533EC34}" type="datetimeFigureOut">
               <a:rPr lang="es-MX" smtClean="0"/>
-              <a:t>19/06/2021</a:t>
+              <a:t>23/06/2021</a:t>
             </a:fld>
             <a:endParaRPr lang="es-MX"/>
           </a:p>
@@ -1607,7 +1607,7 @@
           <a:p>
             <a:fld id="{6A87B696-1102-4874-86CF-7F32C533EC34}" type="datetimeFigureOut">
               <a:rPr lang="es-MX" smtClean="0"/>
-              <a:t>19/06/2021</a:t>
+              <a:t>23/06/2021</a:t>
             </a:fld>
             <a:endParaRPr lang="es-MX"/>
           </a:p>
@@ -1725,7 +1725,7 @@
           <a:p>
             <a:fld id="{6A87B696-1102-4874-86CF-7F32C533EC34}" type="datetimeFigureOut">
               <a:rPr lang="es-MX" smtClean="0"/>
-              <a:t>19/06/2021</a:t>
+              <a:t>23/06/2021</a:t>
             </a:fld>
             <a:endParaRPr lang="es-MX"/>
           </a:p>
@@ -1820,7 +1820,7 @@
           <a:p>
             <a:fld id="{6A87B696-1102-4874-86CF-7F32C533EC34}" type="datetimeFigureOut">
               <a:rPr lang="es-MX" smtClean="0"/>
-              <a:t>19/06/2021</a:t>
+              <a:t>23/06/2021</a:t>
             </a:fld>
             <a:endParaRPr lang="es-MX"/>
           </a:p>
@@ -2097,7 +2097,7 @@
           <a:p>
             <a:fld id="{6A87B696-1102-4874-86CF-7F32C533EC34}" type="datetimeFigureOut">
               <a:rPr lang="es-MX" smtClean="0"/>
-              <a:t>19/06/2021</a:t>
+              <a:t>23/06/2021</a:t>
             </a:fld>
             <a:endParaRPr lang="es-MX"/>
           </a:p>
@@ -2354,7 +2354,7 @@
           <a:p>
             <a:fld id="{6A87B696-1102-4874-86CF-7F32C533EC34}" type="datetimeFigureOut">
               <a:rPr lang="es-MX" smtClean="0"/>
-              <a:t>19/06/2021</a:t>
+              <a:t>23/06/2021</a:t>
             </a:fld>
             <a:endParaRPr lang="es-MX"/>
           </a:p>
@@ -2567,7 +2567,7 @@
           <a:p>
             <a:fld id="{6A87B696-1102-4874-86CF-7F32C533EC34}" type="datetimeFigureOut">
               <a:rPr lang="es-MX" smtClean="0"/>
-              <a:t>19/06/2021</a:t>
+              <a:t>23/06/2021</a:t>
             </a:fld>
             <a:endParaRPr lang="es-MX"/>
           </a:p>
@@ -4189,7 +4189,7 @@
           <p:nvPr>
             <p:extLst>
               <p:ext uri="{D42A27DB-BD31-4B8C-83A1-F6EECF244321}">
-                <p14:modId xmlns:p14="http://schemas.microsoft.com/office/powerpoint/2010/main" val="2040174990"/>
+                <p14:modId xmlns:p14="http://schemas.microsoft.com/office/powerpoint/2010/main" val="2087349685"/>
               </p:ext>
             </p:extLst>
           </p:nvPr>
@@ -4522,7 +4522,7 @@
                   </a:ext>
                 </a:extLst>
               </a:tr>
-              <a:tr h="352096">
+              <a:tr h="247847">
                 <a:tc>
                   <a:txBody>
                     <a:bodyPr/>

--- a/16_Project_5_Capstone_Project/capstone_project.pptx
+++ b/16_Project_5_Capstone_Project/capstone_project.pptx
@@ -2,13 +2,13 @@
 <file path=ppt/presentation.xml><?xml version="1.0" encoding="utf-8"?>
 <p:presentation xmlns:a="http://schemas.openxmlformats.org/drawingml/2006/main" xmlns:r="http://schemas.openxmlformats.org/officeDocument/2006/relationships" xmlns:p="http://schemas.openxmlformats.org/presentationml/2006/main" saveSubsetFonts="1">
   <p:sldMasterIdLst>
-    <p:sldMasterId id="2147483660" r:id="rId1"/>
+    <p:sldMasterId id="2147483672" r:id="rId1"/>
   </p:sldMasterIdLst>
   <p:sldIdLst>
     <p:sldId id="256" r:id="rId2"/>
     <p:sldId id="257" r:id="rId3"/>
   </p:sldIdLst>
-  <p:sldSz cx="15792450" cy="10458450"/>
+  <p:sldSz cx="18000663" cy="12599988"/>
   <p:notesSz cx="6858000" cy="9144000"/>
   <p:defaultTextStyle>
     <a:defPPr>
@@ -142,15 +142,15 @@
         </p:nvSpPr>
         <p:spPr>
           <a:xfrm>
-            <a:off x="1184434" y="1711604"/>
-            <a:ext cx="13423583" cy="3641090"/>
+            <a:off x="1350050" y="2062083"/>
+            <a:ext cx="15300564" cy="4386662"/>
           </a:xfrm>
         </p:spPr>
         <p:txBody>
           <a:bodyPr anchor="b"/>
           <a:lstStyle>
             <a:lvl1pPr algn="ctr">
-              <a:defRPr sz="9150"/>
+              <a:defRPr sz="11024"/>
             </a:lvl1pPr>
           </a:lstStyle>
           <a:p>
@@ -174,8 +174,8 @@
         </p:nvSpPr>
         <p:spPr>
           <a:xfrm>
-            <a:off x="1974056" y="5493108"/>
-            <a:ext cx="11844338" cy="2525037"/>
+            <a:off x="2250083" y="6617911"/>
+            <a:ext cx="13500497" cy="3042080"/>
           </a:xfrm>
         </p:spPr>
         <p:txBody>
@@ -183,39 +183,39 @@
           <a:lstStyle>
             <a:lvl1pPr marL="0" indent="0" algn="ctr">
               <a:buNone/>
-              <a:defRPr sz="3660"/>
+              <a:defRPr sz="4410"/>
             </a:lvl1pPr>
-            <a:lvl2pPr marL="697230" indent="0" algn="ctr">
-              <a:buNone/>
-              <a:defRPr sz="3050"/>
+            <a:lvl2pPr marL="840014" indent="0" algn="ctr">
+              <a:buNone/>
+              <a:defRPr sz="3675"/>
             </a:lvl2pPr>
-            <a:lvl3pPr marL="1394460" indent="0" algn="ctr">
-              <a:buNone/>
-              <a:defRPr sz="2745"/>
+            <a:lvl3pPr marL="1680027" indent="0" algn="ctr">
+              <a:buNone/>
+              <a:defRPr sz="3307"/>
             </a:lvl3pPr>
-            <a:lvl4pPr marL="2091690" indent="0" algn="ctr">
-              <a:buNone/>
-              <a:defRPr sz="2440"/>
+            <a:lvl4pPr marL="2520041" indent="0" algn="ctr">
+              <a:buNone/>
+              <a:defRPr sz="2940"/>
             </a:lvl4pPr>
-            <a:lvl5pPr marL="2788920" indent="0" algn="ctr">
-              <a:buNone/>
-              <a:defRPr sz="2440"/>
+            <a:lvl5pPr marL="3360054" indent="0" algn="ctr">
+              <a:buNone/>
+              <a:defRPr sz="2940"/>
             </a:lvl5pPr>
-            <a:lvl6pPr marL="3486150" indent="0" algn="ctr">
-              <a:buNone/>
-              <a:defRPr sz="2440"/>
+            <a:lvl6pPr marL="4200068" indent="0" algn="ctr">
+              <a:buNone/>
+              <a:defRPr sz="2940"/>
             </a:lvl6pPr>
-            <a:lvl7pPr marL="4183380" indent="0" algn="ctr">
-              <a:buNone/>
-              <a:defRPr sz="2440"/>
+            <a:lvl7pPr marL="5040081" indent="0" algn="ctr">
+              <a:buNone/>
+              <a:defRPr sz="2940"/>
             </a:lvl7pPr>
-            <a:lvl8pPr marL="4880610" indent="0" algn="ctr">
-              <a:buNone/>
-              <a:defRPr sz="2440"/>
+            <a:lvl8pPr marL="5880095" indent="0" algn="ctr">
+              <a:buNone/>
+              <a:defRPr sz="2940"/>
             </a:lvl8pPr>
-            <a:lvl9pPr marL="5577840" indent="0" algn="ctr">
-              <a:buNone/>
-              <a:defRPr sz="2440"/>
+            <a:lvl9pPr marL="6720108" indent="0" algn="ctr">
+              <a:buNone/>
+              <a:defRPr sz="2940"/>
             </a:lvl9pPr>
           </a:lstStyle>
           <a:p>
@@ -244,7 +244,7 @@
           <a:p>
             <a:fld id="{6A87B696-1102-4874-86CF-7F32C533EC34}" type="datetimeFigureOut">
               <a:rPr lang="es-MX" smtClean="0"/>
-              <a:t>23/06/2021</a:t>
+              <a:t>04/07/2021</a:t>
             </a:fld>
             <a:endParaRPr lang="es-MX"/>
           </a:p>
@@ -295,7 +295,7 @@
     </p:spTree>
     <p:extLst>
       <p:ext uri="{BB962C8B-B14F-4D97-AF65-F5344CB8AC3E}">
-        <p14:creationId xmlns:p14="http://schemas.microsoft.com/office/powerpoint/2010/main" val="590218194"/>
+        <p14:creationId xmlns:p14="http://schemas.microsoft.com/office/powerpoint/2010/main" val="3056712178"/>
       </p:ext>
     </p:extLst>
   </p:cSld>
@@ -414,7 +414,7 @@
           <a:p>
             <a:fld id="{6A87B696-1102-4874-86CF-7F32C533EC34}" type="datetimeFigureOut">
               <a:rPr lang="es-MX" smtClean="0"/>
-              <a:t>23/06/2021</a:t>
+              <a:t>04/07/2021</a:t>
             </a:fld>
             <a:endParaRPr lang="es-MX"/>
           </a:p>
@@ -465,7 +465,7 @@
     </p:spTree>
     <p:extLst>
       <p:ext uri="{BB962C8B-B14F-4D97-AF65-F5344CB8AC3E}">
-        <p14:creationId xmlns:p14="http://schemas.microsoft.com/office/powerpoint/2010/main" val="1786729961"/>
+        <p14:creationId xmlns:p14="http://schemas.microsoft.com/office/powerpoint/2010/main" val="1342536402"/>
       </p:ext>
     </p:extLst>
   </p:cSld>
@@ -504,8 +504,8 @@
         </p:nvSpPr>
         <p:spPr>
           <a:xfrm>
-            <a:off x="11301473" y="556816"/>
-            <a:ext cx="3405247" cy="8863053"/>
+            <a:off x="12881725" y="670833"/>
+            <a:ext cx="3881393" cy="10677907"/>
           </a:xfrm>
         </p:spPr>
         <p:txBody>
@@ -532,8 +532,8 @@
         </p:nvSpPr>
         <p:spPr>
           <a:xfrm>
-            <a:off x="1085732" y="556816"/>
-            <a:ext cx="10018335" cy="8863053"/>
+            <a:off x="1237546" y="670833"/>
+            <a:ext cx="11419171" cy="10677907"/>
           </a:xfrm>
         </p:spPr>
         <p:txBody>
@@ -594,7 +594,7 @@
           <a:p>
             <a:fld id="{6A87B696-1102-4874-86CF-7F32C533EC34}" type="datetimeFigureOut">
               <a:rPr lang="es-MX" smtClean="0"/>
-              <a:t>23/06/2021</a:t>
+              <a:t>04/07/2021</a:t>
             </a:fld>
             <a:endParaRPr lang="es-MX"/>
           </a:p>
@@ -645,7 +645,7 @@
     </p:spTree>
     <p:extLst>
       <p:ext uri="{BB962C8B-B14F-4D97-AF65-F5344CB8AC3E}">
-        <p14:creationId xmlns:p14="http://schemas.microsoft.com/office/powerpoint/2010/main" val="4290347858"/>
+        <p14:creationId xmlns:p14="http://schemas.microsoft.com/office/powerpoint/2010/main" val="3704929626"/>
       </p:ext>
     </p:extLst>
   </p:cSld>
@@ -764,7 +764,7 @@
           <a:p>
             <a:fld id="{6A87B696-1102-4874-86CF-7F32C533EC34}" type="datetimeFigureOut">
               <a:rPr lang="es-MX" smtClean="0"/>
-              <a:t>23/06/2021</a:t>
+              <a:t>04/07/2021</a:t>
             </a:fld>
             <a:endParaRPr lang="es-MX"/>
           </a:p>
@@ -815,7 +815,7 @@
     </p:spTree>
     <p:extLst>
       <p:ext uri="{BB962C8B-B14F-4D97-AF65-F5344CB8AC3E}">
-        <p14:creationId xmlns:p14="http://schemas.microsoft.com/office/powerpoint/2010/main" val="534009922"/>
+        <p14:creationId xmlns:p14="http://schemas.microsoft.com/office/powerpoint/2010/main" val="1993020646"/>
       </p:ext>
     </p:extLst>
   </p:cSld>
@@ -854,15 +854,15 @@
         </p:nvSpPr>
         <p:spPr>
           <a:xfrm>
-            <a:off x="1077507" y="2607353"/>
-            <a:ext cx="13620988" cy="4350424"/>
+            <a:off x="1228171" y="3141251"/>
+            <a:ext cx="15525572" cy="5241244"/>
           </a:xfrm>
         </p:spPr>
         <p:txBody>
           <a:bodyPr anchor="b"/>
           <a:lstStyle>
             <a:lvl1pPr>
-              <a:defRPr sz="9150"/>
+              <a:defRPr sz="11024"/>
             </a:lvl1pPr>
           </a:lstStyle>
           <a:p>
@@ -886,8 +886,8 @@
         </p:nvSpPr>
         <p:spPr>
           <a:xfrm>
-            <a:off x="1077507" y="6998933"/>
-            <a:ext cx="13620988" cy="2287785"/>
+            <a:off x="1228171" y="8432079"/>
+            <a:ext cx="15525572" cy="2756246"/>
           </a:xfrm>
         </p:spPr>
         <p:txBody>
@@ -895,15 +895,15 @@
           <a:lstStyle>
             <a:lvl1pPr marL="0" indent="0">
               <a:buNone/>
-              <a:defRPr sz="3660">
+              <a:defRPr sz="4410">
                 <a:solidFill>
                   <a:schemeClr val="tx1"/>
                 </a:solidFill>
               </a:defRPr>
             </a:lvl1pPr>
-            <a:lvl2pPr marL="697230" indent="0">
-              <a:buNone/>
-              <a:defRPr sz="3050">
+            <a:lvl2pPr marL="840014" indent="0">
+              <a:buNone/>
+              <a:defRPr sz="3675">
                 <a:solidFill>
                   <a:schemeClr val="tx1">
                     <a:tint val="75000"/>
@@ -911,9 +911,9 @@
                 </a:solidFill>
               </a:defRPr>
             </a:lvl2pPr>
-            <a:lvl3pPr marL="1394460" indent="0">
-              <a:buNone/>
-              <a:defRPr sz="2745">
+            <a:lvl3pPr marL="1680027" indent="0">
+              <a:buNone/>
+              <a:defRPr sz="3307">
                 <a:solidFill>
                   <a:schemeClr val="tx1">
                     <a:tint val="75000"/>
@@ -921,9 +921,9 @@
                 </a:solidFill>
               </a:defRPr>
             </a:lvl3pPr>
-            <a:lvl4pPr marL="2091690" indent="0">
-              <a:buNone/>
-              <a:defRPr sz="2440">
+            <a:lvl4pPr marL="2520041" indent="0">
+              <a:buNone/>
+              <a:defRPr sz="2940">
                 <a:solidFill>
                   <a:schemeClr val="tx1">
                     <a:tint val="75000"/>
@@ -931,9 +931,9 @@
                 </a:solidFill>
               </a:defRPr>
             </a:lvl4pPr>
-            <a:lvl5pPr marL="2788920" indent="0">
-              <a:buNone/>
-              <a:defRPr sz="2440">
+            <a:lvl5pPr marL="3360054" indent="0">
+              <a:buNone/>
+              <a:defRPr sz="2940">
                 <a:solidFill>
                   <a:schemeClr val="tx1">
                     <a:tint val="75000"/>
@@ -941,9 +941,9 @@
                 </a:solidFill>
               </a:defRPr>
             </a:lvl5pPr>
-            <a:lvl6pPr marL="3486150" indent="0">
-              <a:buNone/>
-              <a:defRPr sz="2440">
+            <a:lvl6pPr marL="4200068" indent="0">
+              <a:buNone/>
+              <a:defRPr sz="2940">
                 <a:solidFill>
                   <a:schemeClr val="tx1">
                     <a:tint val="75000"/>
@@ -951,9 +951,9 @@
                 </a:solidFill>
               </a:defRPr>
             </a:lvl6pPr>
-            <a:lvl7pPr marL="4183380" indent="0">
-              <a:buNone/>
-              <a:defRPr sz="2440">
+            <a:lvl7pPr marL="5040081" indent="0">
+              <a:buNone/>
+              <a:defRPr sz="2940">
                 <a:solidFill>
                   <a:schemeClr val="tx1">
                     <a:tint val="75000"/>
@@ -961,9 +961,9 @@
                 </a:solidFill>
               </a:defRPr>
             </a:lvl7pPr>
-            <a:lvl8pPr marL="4880610" indent="0">
-              <a:buNone/>
-              <a:defRPr sz="2440">
+            <a:lvl8pPr marL="5880095" indent="0">
+              <a:buNone/>
+              <a:defRPr sz="2940">
                 <a:solidFill>
                   <a:schemeClr val="tx1">
                     <a:tint val="75000"/>
@@ -971,9 +971,9 @@
                 </a:solidFill>
               </a:defRPr>
             </a:lvl8pPr>
-            <a:lvl9pPr marL="5577840" indent="0">
-              <a:buNone/>
-              <a:defRPr sz="2440">
+            <a:lvl9pPr marL="6720108" indent="0">
+              <a:buNone/>
+              <a:defRPr sz="2940">
                 <a:solidFill>
                   <a:schemeClr val="tx1">
                     <a:tint val="75000"/>
@@ -1008,7 +1008,7 @@
           <a:p>
             <a:fld id="{6A87B696-1102-4874-86CF-7F32C533EC34}" type="datetimeFigureOut">
               <a:rPr lang="es-MX" smtClean="0"/>
-              <a:t>23/06/2021</a:t>
+              <a:t>04/07/2021</a:t>
             </a:fld>
             <a:endParaRPr lang="es-MX"/>
           </a:p>
@@ -1059,7 +1059,7 @@
     </p:spTree>
     <p:extLst>
       <p:ext uri="{BB962C8B-B14F-4D97-AF65-F5344CB8AC3E}">
-        <p14:creationId xmlns:p14="http://schemas.microsoft.com/office/powerpoint/2010/main" val="142778958"/>
+        <p14:creationId xmlns:p14="http://schemas.microsoft.com/office/powerpoint/2010/main" val="3299621296"/>
       </p:ext>
     </p:extLst>
   </p:cSld>
@@ -1121,8 +1121,8 @@
         </p:nvSpPr>
         <p:spPr>
           <a:xfrm>
-            <a:off x="1085731" y="2784078"/>
-            <a:ext cx="6711791" cy="6635790"/>
+            <a:off x="1237545" y="3354163"/>
+            <a:ext cx="7650282" cy="7994577"/>
           </a:xfrm>
         </p:spPr>
         <p:txBody>
@@ -1178,8 +1178,8 @@
         </p:nvSpPr>
         <p:spPr>
           <a:xfrm>
-            <a:off x="7994928" y="2784078"/>
-            <a:ext cx="6711791" cy="6635790"/>
+            <a:off x="9112836" y="3354163"/>
+            <a:ext cx="7650282" cy="7994577"/>
           </a:xfrm>
         </p:spPr>
         <p:txBody>
@@ -1240,7 +1240,7 @@
           <a:p>
             <a:fld id="{6A87B696-1102-4874-86CF-7F32C533EC34}" type="datetimeFigureOut">
               <a:rPr lang="es-MX" smtClean="0"/>
-              <a:t>23/06/2021</a:t>
+              <a:t>04/07/2021</a:t>
             </a:fld>
             <a:endParaRPr lang="es-MX"/>
           </a:p>
@@ -1291,7 +1291,7 @@
     </p:spTree>
     <p:extLst>
       <p:ext uri="{BB962C8B-B14F-4D97-AF65-F5344CB8AC3E}">
-        <p14:creationId xmlns:p14="http://schemas.microsoft.com/office/powerpoint/2010/main" val="2776217398"/>
+        <p14:creationId xmlns:p14="http://schemas.microsoft.com/office/powerpoint/2010/main" val="3946451729"/>
       </p:ext>
     </p:extLst>
   </p:cSld>
@@ -1330,8 +1330,8 @@
         </p:nvSpPr>
         <p:spPr>
           <a:xfrm>
-            <a:off x="1087788" y="556818"/>
-            <a:ext cx="13620988" cy="2021484"/>
+            <a:off x="1239890" y="670836"/>
+            <a:ext cx="15525572" cy="2435415"/>
           </a:xfrm>
         </p:spPr>
         <p:txBody>
@@ -1358,8 +1358,8 @@
         </p:nvSpPr>
         <p:spPr>
           <a:xfrm>
-            <a:off x="1087789" y="2563773"/>
-            <a:ext cx="6680946" cy="1256466"/>
+            <a:off x="1239892" y="3088748"/>
+            <a:ext cx="7615123" cy="1513748"/>
           </a:xfrm>
         </p:spPr>
         <p:txBody>
@@ -1367,39 +1367,39 @@
           <a:lstStyle>
             <a:lvl1pPr marL="0" indent="0">
               <a:buNone/>
-              <a:defRPr sz="3660" b="1"/>
+              <a:defRPr sz="4410" b="1"/>
             </a:lvl1pPr>
-            <a:lvl2pPr marL="697230" indent="0">
-              <a:buNone/>
-              <a:defRPr sz="3050" b="1"/>
+            <a:lvl2pPr marL="840014" indent="0">
+              <a:buNone/>
+              <a:defRPr sz="3675" b="1"/>
             </a:lvl2pPr>
-            <a:lvl3pPr marL="1394460" indent="0">
-              <a:buNone/>
-              <a:defRPr sz="2745" b="1"/>
+            <a:lvl3pPr marL="1680027" indent="0">
+              <a:buNone/>
+              <a:defRPr sz="3307" b="1"/>
             </a:lvl3pPr>
-            <a:lvl4pPr marL="2091690" indent="0">
-              <a:buNone/>
-              <a:defRPr sz="2440" b="1"/>
+            <a:lvl4pPr marL="2520041" indent="0">
+              <a:buNone/>
+              <a:defRPr sz="2940" b="1"/>
             </a:lvl4pPr>
-            <a:lvl5pPr marL="2788920" indent="0">
-              <a:buNone/>
-              <a:defRPr sz="2440" b="1"/>
+            <a:lvl5pPr marL="3360054" indent="0">
+              <a:buNone/>
+              <a:defRPr sz="2940" b="1"/>
             </a:lvl5pPr>
-            <a:lvl6pPr marL="3486150" indent="0">
-              <a:buNone/>
-              <a:defRPr sz="2440" b="1"/>
+            <a:lvl6pPr marL="4200068" indent="0">
+              <a:buNone/>
+              <a:defRPr sz="2940" b="1"/>
             </a:lvl6pPr>
-            <a:lvl7pPr marL="4183380" indent="0">
-              <a:buNone/>
-              <a:defRPr sz="2440" b="1"/>
+            <a:lvl7pPr marL="5040081" indent="0">
+              <a:buNone/>
+              <a:defRPr sz="2940" b="1"/>
             </a:lvl7pPr>
-            <a:lvl8pPr marL="4880610" indent="0">
-              <a:buNone/>
-              <a:defRPr sz="2440" b="1"/>
+            <a:lvl8pPr marL="5880095" indent="0">
+              <a:buNone/>
+              <a:defRPr sz="2940" b="1"/>
             </a:lvl8pPr>
-            <a:lvl9pPr marL="5577840" indent="0">
-              <a:buNone/>
-              <a:defRPr sz="2440" b="1"/>
+            <a:lvl9pPr marL="6720108" indent="0">
+              <a:buNone/>
+              <a:defRPr sz="2940" b="1"/>
             </a:lvl9pPr>
           </a:lstStyle>
           <a:p>
@@ -1423,8 +1423,8 @@
         </p:nvSpPr>
         <p:spPr>
           <a:xfrm>
-            <a:off x="1087789" y="3820239"/>
-            <a:ext cx="6680946" cy="5618997"/>
+            <a:off x="1239892" y="4602496"/>
+            <a:ext cx="7615123" cy="6769578"/>
           </a:xfrm>
         </p:spPr>
         <p:txBody>
@@ -1480,8 +1480,8 @@
         </p:nvSpPr>
         <p:spPr>
           <a:xfrm>
-            <a:off x="7994929" y="2563773"/>
-            <a:ext cx="6713848" cy="1256466"/>
+            <a:off x="9112837" y="3088748"/>
+            <a:ext cx="7652626" cy="1513748"/>
           </a:xfrm>
         </p:spPr>
         <p:txBody>
@@ -1489,39 +1489,39 @@
           <a:lstStyle>
             <a:lvl1pPr marL="0" indent="0">
               <a:buNone/>
-              <a:defRPr sz="3660" b="1"/>
+              <a:defRPr sz="4410" b="1"/>
             </a:lvl1pPr>
-            <a:lvl2pPr marL="697230" indent="0">
-              <a:buNone/>
-              <a:defRPr sz="3050" b="1"/>
+            <a:lvl2pPr marL="840014" indent="0">
+              <a:buNone/>
+              <a:defRPr sz="3675" b="1"/>
             </a:lvl2pPr>
-            <a:lvl3pPr marL="1394460" indent="0">
-              <a:buNone/>
-              <a:defRPr sz="2745" b="1"/>
+            <a:lvl3pPr marL="1680027" indent="0">
+              <a:buNone/>
+              <a:defRPr sz="3307" b="1"/>
             </a:lvl3pPr>
-            <a:lvl4pPr marL="2091690" indent="0">
-              <a:buNone/>
-              <a:defRPr sz="2440" b="1"/>
+            <a:lvl4pPr marL="2520041" indent="0">
+              <a:buNone/>
+              <a:defRPr sz="2940" b="1"/>
             </a:lvl4pPr>
-            <a:lvl5pPr marL="2788920" indent="0">
-              <a:buNone/>
-              <a:defRPr sz="2440" b="1"/>
+            <a:lvl5pPr marL="3360054" indent="0">
+              <a:buNone/>
+              <a:defRPr sz="2940" b="1"/>
             </a:lvl5pPr>
-            <a:lvl6pPr marL="3486150" indent="0">
-              <a:buNone/>
-              <a:defRPr sz="2440" b="1"/>
+            <a:lvl6pPr marL="4200068" indent="0">
+              <a:buNone/>
+              <a:defRPr sz="2940" b="1"/>
             </a:lvl6pPr>
-            <a:lvl7pPr marL="4183380" indent="0">
-              <a:buNone/>
-              <a:defRPr sz="2440" b="1"/>
+            <a:lvl7pPr marL="5040081" indent="0">
+              <a:buNone/>
+              <a:defRPr sz="2940" b="1"/>
             </a:lvl7pPr>
-            <a:lvl8pPr marL="4880610" indent="0">
-              <a:buNone/>
-              <a:defRPr sz="2440" b="1"/>
+            <a:lvl8pPr marL="5880095" indent="0">
+              <a:buNone/>
+              <a:defRPr sz="2940" b="1"/>
             </a:lvl8pPr>
-            <a:lvl9pPr marL="5577840" indent="0">
-              <a:buNone/>
-              <a:defRPr sz="2440" b="1"/>
+            <a:lvl9pPr marL="6720108" indent="0">
+              <a:buNone/>
+              <a:defRPr sz="2940" b="1"/>
             </a:lvl9pPr>
           </a:lstStyle>
           <a:p>
@@ -1545,8 +1545,8 @@
         </p:nvSpPr>
         <p:spPr>
           <a:xfrm>
-            <a:off x="7994929" y="3820239"/>
-            <a:ext cx="6713848" cy="5618997"/>
+            <a:off x="9112837" y="4602496"/>
+            <a:ext cx="7652626" cy="6769578"/>
           </a:xfrm>
         </p:spPr>
         <p:txBody>
@@ -1607,7 +1607,7 @@
           <a:p>
             <a:fld id="{6A87B696-1102-4874-86CF-7F32C533EC34}" type="datetimeFigureOut">
               <a:rPr lang="es-MX" smtClean="0"/>
-              <a:t>23/06/2021</a:t>
+              <a:t>04/07/2021</a:t>
             </a:fld>
             <a:endParaRPr lang="es-MX"/>
           </a:p>
@@ -1658,7 +1658,7 @@
     </p:spTree>
     <p:extLst>
       <p:ext uri="{BB962C8B-B14F-4D97-AF65-F5344CB8AC3E}">
-        <p14:creationId xmlns:p14="http://schemas.microsoft.com/office/powerpoint/2010/main" val="2001258222"/>
+        <p14:creationId xmlns:p14="http://schemas.microsoft.com/office/powerpoint/2010/main" val="1851868282"/>
       </p:ext>
     </p:extLst>
   </p:cSld>
@@ -1725,7 +1725,7 @@
           <a:p>
             <a:fld id="{6A87B696-1102-4874-86CF-7F32C533EC34}" type="datetimeFigureOut">
               <a:rPr lang="es-MX" smtClean="0"/>
-              <a:t>23/06/2021</a:t>
+              <a:t>04/07/2021</a:t>
             </a:fld>
             <a:endParaRPr lang="es-MX"/>
           </a:p>
@@ -1776,7 +1776,7 @@
     </p:spTree>
     <p:extLst>
       <p:ext uri="{BB962C8B-B14F-4D97-AF65-F5344CB8AC3E}">
-        <p14:creationId xmlns:p14="http://schemas.microsoft.com/office/powerpoint/2010/main" val="4270145325"/>
+        <p14:creationId xmlns:p14="http://schemas.microsoft.com/office/powerpoint/2010/main" val="1234995692"/>
       </p:ext>
     </p:extLst>
   </p:cSld>
@@ -1820,7 +1820,7 @@
           <a:p>
             <a:fld id="{6A87B696-1102-4874-86CF-7F32C533EC34}" type="datetimeFigureOut">
               <a:rPr lang="es-MX" smtClean="0"/>
-              <a:t>23/06/2021</a:t>
+              <a:t>04/07/2021</a:t>
             </a:fld>
             <a:endParaRPr lang="es-MX"/>
           </a:p>
@@ -1871,7 +1871,7 @@
     </p:spTree>
     <p:extLst>
       <p:ext uri="{BB962C8B-B14F-4D97-AF65-F5344CB8AC3E}">
-        <p14:creationId xmlns:p14="http://schemas.microsoft.com/office/powerpoint/2010/main" val="1370039389"/>
+        <p14:creationId xmlns:p14="http://schemas.microsoft.com/office/powerpoint/2010/main" val="3339106397"/>
       </p:ext>
     </p:extLst>
   </p:cSld>
@@ -1910,15 +1910,15 @@
         </p:nvSpPr>
         <p:spPr>
           <a:xfrm>
-            <a:off x="1087788" y="697230"/>
-            <a:ext cx="5093476" cy="2440305"/>
+            <a:off x="1239890" y="839999"/>
+            <a:ext cx="5805682" cy="2939997"/>
           </a:xfrm>
         </p:spPr>
         <p:txBody>
           <a:bodyPr anchor="b"/>
           <a:lstStyle>
             <a:lvl1pPr>
-              <a:defRPr sz="4880"/>
+              <a:defRPr sz="5879"/>
             </a:lvl1pPr>
           </a:lstStyle>
           <a:p>
@@ -1942,39 +1942,39 @@
         </p:nvSpPr>
         <p:spPr>
           <a:xfrm>
-            <a:off x="6713848" y="1505825"/>
-            <a:ext cx="7994928" cy="7432278"/>
+            <a:off x="7652626" y="1814168"/>
+            <a:ext cx="9112836" cy="8954158"/>
           </a:xfrm>
         </p:spPr>
         <p:txBody>
           <a:bodyPr/>
           <a:lstStyle>
             <a:lvl1pPr>
-              <a:defRPr sz="4880"/>
+              <a:defRPr sz="5879"/>
             </a:lvl1pPr>
             <a:lvl2pPr>
-              <a:defRPr sz="4270"/>
+              <a:defRPr sz="5144"/>
             </a:lvl2pPr>
             <a:lvl3pPr>
-              <a:defRPr sz="3660"/>
+              <a:defRPr sz="4410"/>
             </a:lvl3pPr>
             <a:lvl4pPr>
-              <a:defRPr sz="3050"/>
+              <a:defRPr sz="3675"/>
             </a:lvl4pPr>
             <a:lvl5pPr>
-              <a:defRPr sz="3050"/>
+              <a:defRPr sz="3675"/>
             </a:lvl5pPr>
             <a:lvl6pPr>
-              <a:defRPr sz="3050"/>
+              <a:defRPr sz="3675"/>
             </a:lvl6pPr>
             <a:lvl7pPr>
-              <a:defRPr sz="3050"/>
+              <a:defRPr sz="3675"/>
             </a:lvl7pPr>
             <a:lvl8pPr>
-              <a:defRPr sz="3050"/>
+              <a:defRPr sz="3675"/>
             </a:lvl8pPr>
             <a:lvl9pPr>
-              <a:defRPr sz="3050"/>
+              <a:defRPr sz="3675"/>
             </a:lvl9pPr>
           </a:lstStyle>
           <a:p>
@@ -2027,8 +2027,8 @@
         </p:nvSpPr>
         <p:spPr>
           <a:xfrm>
-            <a:off x="1087788" y="3137535"/>
-            <a:ext cx="5093476" cy="5812672"/>
+            <a:off x="1239890" y="3779996"/>
+            <a:ext cx="5805682" cy="7002911"/>
           </a:xfrm>
         </p:spPr>
         <p:txBody>
@@ -2036,39 +2036,39 @@
           <a:lstStyle>
             <a:lvl1pPr marL="0" indent="0">
               <a:buNone/>
-              <a:defRPr sz="2440"/>
+              <a:defRPr sz="2940"/>
             </a:lvl1pPr>
-            <a:lvl2pPr marL="697230" indent="0">
-              <a:buNone/>
-              <a:defRPr sz="2135"/>
+            <a:lvl2pPr marL="840014" indent="0">
+              <a:buNone/>
+              <a:defRPr sz="2572"/>
             </a:lvl2pPr>
-            <a:lvl3pPr marL="1394460" indent="0">
-              <a:buNone/>
-              <a:defRPr sz="1830"/>
+            <a:lvl3pPr marL="1680027" indent="0">
+              <a:buNone/>
+              <a:defRPr sz="2205"/>
             </a:lvl3pPr>
-            <a:lvl4pPr marL="2091690" indent="0">
-              <a:buNone/>
-              <a:defRPr sz="1525"/>
+            <a:lvl4pPr marL="2520041" indent="0">
+              <a:buNone/>
+              <a:defRPr sz="1837"/>
             </a:lvl4pPr>
-            <a:lvl5pPr marL="2788920" indent="0">
-              <a:buNone/>
-              <a:defRPr sz="1525"/>
+            <a:lvl5pPr marL="3360054" indent="0">
+              <a:buNone/>
+              <a:defRPr sz="1837"/>
             </a:lvl5pPr>
-            <a:lvl6pPr marL="3486150" indent="0">
-              <a:buNone/>
-              <a:defRPr sz="1525"/>
+            <a:lvl6pPr marL="4200068" indent="0">
+              <a:buNone/>
+              <a:defRPr sz="1837"/>
             </a:lvl6pPr>
-            <a:lvl7pPr marL="4183380" indent="0">
-              <a:buNone/>
-              <a:defRPr sz="1525"/>
+            <a:lvl7pPr marL="5040081" indent="0">
+              <a:buNone/>
+              <a:defRPr sz="1837"/>
             </a:lvl7pPr>
-            <a:lvl8pPr marL="4880610" indent="0">
-              <a:buNone/>
-              <a:defRPr sz="1525"/>
+            <a:lvl8pPr marL="5880095" indent="0">
+              <a:buNone/>
+              <a:defRPr sz="1837"/>
             </a:lvl8pPr>
-            <a:lvl9pPr marL="5577840" indent="0">
-              <a:buNone/>
-              <a:defRPr sz="1525"/>
+            <a:lvl9pPr marL="6720108" indent="0">
+              <a:buNone/>
+              <a:defRPr sz="1837"/>
             </a:lvl9pPr>
           </a:lstStyle>
           <a:p>
@@ -2097,7 +2097,7 @@
           <a:p>
             <a:fld id="{6A87B696-1102-4874-86CF-7F32C533EC34}" type="datetimeFigureOut">
               <a:rPr lang="es-MX" smtClean="0"/>
-              <a:t>23/06/2021</a:t>
+              <a:t>04/07/2021</a:t>
             </a:fld>
             <a:endParaRPr lang="es-MX"/>
           </a:p>
@@ -2148,7 +2148,7 @@
     </p:spTree>
     <p:extLst>
       <p:ext uri="{BB962C8B-B14F-4D97-AF65-F5344CB8AC3E}">
-        <p14:creationId xmlns:p14="http://schemas.microsoft.com/office/powerpoint/2010/main" val="1626867699"/>
+        <p14:creationId xmlns:p14="http://schemas.microsoft.com/office/powerpoint/2010/main" val="2635053774"/>
       </p:ext>
     </p:extLst>
   </p:cSld>
@@ -2187,15 +2187,15 @@
         </p:nvSpPr>
         <p:spPr>
           <a:xfrm>
-            <a:off x="1087788" y="697230"/>
-            <a:ext cx="5093476" cy="2440305"/>
+            <a:off x="1239890" y="839999"/>
+            <a:ext cx="5805682" cy="2939997"/>
           </a:xfrm>
         </p:spPr>
         <p:txBody>
           <a:bodyPr anchor="b"/>
           <a:lstStyle>
             <a:lvl1pPr>
-              <a:defRPr sz="4880"/>
+              <a:defRPr sz="5879"/>
             </a:lvl1pPr>
           </a:lstStyle>
           <a:p>
@@ -2219,8 +2219,8 @@
         </p:nvSpPr>
         <p:spPr>
           <a:xfrm>
-            <a:off x="6713848" y="1505825"/>
-            <a:ext cx="7994928" cy="7432278"/>
+            <a:off x="7652626" y="1814168"/>
+            <a:ext cx="9112836" cy="8954158"/>
           </a:xfrm>
         </p:spPr>
         <p:txBody>
@@ -2228,39 +2228,39 @@
           <a:lstStyle>
             <a:lvl1pPr marL="0" indent="0">
               <a:buNone/>
-              <a:defRPr sz="4880"/>
+              <a:defRPr sz="5879"/>
             </a:lvl1pPr>
-            <a:lvl2pPr marL="697230" indent="0">
-              <a:buNone/>
-              <a:defRPr sz="4270"/>
+            <a:lvl2pPr marL="840014" indent="0">
+              <a:buNone/>
+              <a:defRPr sz="5144"/>
             </a:lvl2pPr>
-            <a:lvl3pPr marL="1394460" indent="0">
-              <a:buNone/>
-              <a:defRPr sz="3660"/>
+            <a:lvl3pPr marL="1680027" indent="0">
+              <a:buNone/>
+              <a:defRPr sz="4410"/>
             </a:lvl3pPr>
-            <a:lvl4pPr marL="2091690" indent="0">
-              <a:buNone/>
-              <a:defRPr sz="3050"/>
+            <a:lvl4pPr marL="2520041" indent="0">
+              <a:buNone/>
+              <a:defRPr sz="3675"/>
             </a:lvl4pPr>
-            <a:lvl5pPr marL="2788920" indent="0">
-              <a:buNone/>
-              <a:defRPr sz="3050"/>
+            <a:lvl5pPr marL="3360054" indent="0">
+              <a:buNone/>
+              <a:defRPr sz="3675"/>
             </a:lvl5pPr>
-            <a:lvl6pPr marL="3486150" indent="0">
-              <a:buNone/>
-              <a:defRPr sz="3050"/>
+            <a:lvl6pPr marL="4200068" indent="0">
+              <a:buNone/>
+              <a:defRPr sz="3675"/>
             </a:lvl6pPr>
-            <a:lvl7pPr marL="4183380" indent="0">
-              <a:buNone/>
-              <a:defRPr sz="3050"/>
+            <a:lvl7pPr marL="5040081" indent="0">
+              <a:buNone/>
+              <a:defRPr sz="3675"/>
             </a:lvl7pPr>
-            <a:lvl8pPr marL="4880610" indent="0">
-              <a:buNone/>
-              <a:defRPr sz="3050"/>
+            <a:lvl8pPr marL="5880095" indent="0">
+              <a:buNone/>
+              <a:defRPr sz="3675"/>
             </a:lvl8pPr>
-            <a:lvl9pPr marL="5577840" indent="0">
-              <a:buNone/>
-              <a:defRPr sz="3050"/>
+            <a:lvl9pPr marL="6720108" indent="0">
+              <a:buNone/>
+              <a:defRPr sz="3675"/>
             </a:lvl9pPr>
           </a:lstStyle>
           <a:p>
@@ -2284,8 +2284,8 @@
         </p:nvSpPr>
         <p:spPr>
           <a:xfrm>
-            <a:off x="1087788" y="3137535"/>
-            <a:ext cx="5093476" cy="5812672"/>
+            <a:off x="1239890" y="3779996"/>
+            <a:ext cx="5805682" cy="7002911"/>
           </a:xfrm>
         </p:spPr>
         <p:txBody>
@@ -2293,39 +2293,39 @@
           <a:lstStyle>
             <a:lvl1pPr marL="0" indent="0">
               <a:buNone/>
-              <a:defRPr sz="2440"/>
+              <a:defRPr sz="2940"/>
             </a:lvl1pPr>
-            <a:lvl2pPr marL="697230" indent="0">
-              <a:buNone/>
-              <a:defRPr sz="2135"/>
+            <a:lvl2pPr marL="840014" indent="0">
+              <a:buNone/>
+              <a:defRPr sz="2572"/>
             </a:lvl2pPr>
-            <a:lvl3pPr marL="1394460" indent="0">
-              <a:buNone/>
-              <a:defRPr sz="1830"/>
+            <a:lvl3pPr marL="1680027" indent="0">
+              <a:buNone/>
+              <a:defRPr sz="2205"/>
             </a:lvl3pPr>
-            <a:lvl4pPr marL="2091690" indent="0">
-              <a:buNone/>
-              <a:defRPr sz="1525"/>
+            <a:lvl4pPr marL="2520041" indent="0">
+              <a:buNone/>
+              <a:defRPr sz="1837"/>
             </a:lvl4pPr>
-            <a:lvl5pPr marL="2788920" indent="0">
-              <a:buNone/>
-              <a:defRPr sz="1525"/>
+            <a:lvl5pPr marL="3360054" indent="0">
+              <a:buNone/>
+              <a:defRPr sz="1837"/>
             </a:lvl5pPr>
-            <a:lvl6pPr marL="3486150" indent="0">
-              <a:buNone/>
-              <a:defRPr sz="1525"/>
+            <a:lvl6pPr marL="4200068" indent="0">
+              <a:buNone/>
+              <a:defRPr sz="1837"/>
             </a:lvl6pPr>
-            <a:lvl7pPr marL="4183380" indent="0">
-              <a:buNone/>
-              <a:defRPr sz="1525"/>
+            <a:lvl7pPr marL="5040081" indent="0">
+              <a:buNone/>
+              <a:defRPr sz="1837"/>
             </a:lvl7pPr>
-            <a:lvl8pPr marL="4880610" indent="0">
-              <a:buNone/>
-              <a:defRPr sz="1525"/>
+            <a:lvl8pPr marL="5880095" indent="0">
+              <a:buNone/>
+              <a:defRPr sz="1837"/>
             </a:lvl8pPr>
-            <a:lvl9pPr marL="5577840" indent="0">
-              <a:buNone/>
-              <a:defRPr sz="1525"/>
+            <a:lvl9pPr marL="6720108" indent="0">
+              <a:buNone/>
+              <a:defRPr sz="1837"/>
             </a:lvl9pPr>
           </a:lstStyle>
           <a:p>
@@ -2354,7 +2354,7 @@
           <a:p>
             <a:fld id="{6A87B696-1102-4874-86CF-7F32C533EC34}" type="datetimeFigureOut">
               <a:rPr lang="es-MX" smtClean="0"/>
-              <a:t>23/06/2021</a:t>
+              <a:t>04/07/2021</a:t>
             </a:fld>
             <a:endParaRPr lang="es-MX"/>
           </a:p>
@@ -2405,7 +2405,7 @@
     </p:spTree>
     <p:extLst>
       <p:ext uri="{BB962C8B-B14F-4D97-AF65-F5344CB8AC3E}">
-        <p14:creationId xmlns:p14="http://schemas.microsoft.com/office/powerpoint/2010/main" val="2174883645"/>
+        <p14:creationId xmlns:p14="http://schemas.microsoft.com/office/powerpoint/2010/main" val="3402078476"/>
       </p:ext>
     </p:extLst>
   </p:cSld>
@@ -2449,8 +2449,8 @@
         </p:nvSpPr>
         <p:spPr>
           <a:xfrm>
-            <a:off x="1085731" y="556818"/>
-            <a:ext cx="13620988" cy="2021484"/>
+            <a:off x="1237546" y="670836"/>
+            <a:ext cx="15525572" cy="2435415"/>
           </a:xfrm>
           <a:prstGeom prst="rect">
             <a:avLst/>
@@ -2482,8 +2482,8 @@
         </p:nvSpPr>
         <p:spPr>
           <a:xfrm>
-            <a:off x="1085731" y="2784078"/>
-            <a:ext cx="13620988" cy="6635790"/>
+            <a:off x="1237546" y="3354163"/>
+            <a:ext cx="15525572" cy="7994577"/>
           </a:xfrm>
           <a:prstGeom prst="rect">
             <a:avLst/>
@@ -2544,8 +2544,8 @@
         </p:nvSpPr>
         <p:spPr>
           <a:xfrm>
-            <a:off x="1085731" y="9693436"/>
-            <a:ext cx="3553301" cy="556816"/>
+            <a:off x="1237546" y="11678325"/>
+            <a:ext cx="4050149" cy="670833"/>
           </a:xfrm>
           <a:prstGeom prst="rect">
             <a:avLst/>
@@ -2555,7 +2555,7 @@
           <a:bodyPr vert="horz" lIns="91440" tIns="45720" rIns="91440" bIns="45720" rtlCol="0" anchor="ctr"/>
           <a:lstStyle>
             <a:lvl1pPr algn="l">
-              <a:defRPr sz="1830">
+              <a:defRPr sz="2205">
                 <a:solidFill>
                   <a:schemeClr val="tx1">
                     <a:tint val="75000"/>
@@ -2567,7 +2567,7 @@
           <a:p>
             <a:fld id="{6A87B696-1102-4874-86CF-7F32C533EC34}" type="datetimeFigureOut">
               <a:rPr lang="es-MX" smtClean="0"/>
-              <a:t>23/06/2021</a:t>
+              <a:t>04/07/2021</a:t>
             </a:fld>
             <a:endParaRPr lang="es-MX"/>
           </a:p>
@@ -2585,8 +2585,8 @@
         </p:nvSpPr>
         <p:spPr>
           <a:xfrm>
-            <a:off x="5231249" y="9693436"/>
-            <a:ext cx="5329952" cy="556816"/>
+            <a:off x="5962720" y="11678325"/>
+            <a:ext cx="6075224" cy="670833"/>
           </a:xfrm>
           <a:prstGeom prst="rect">
             <a:avLst/>
@@ -2596,7 +2596,7 @@
           <a:bodyPr vert="horz" lIns="91440" tIns="45720" rIns="91440" bIns="45720" rtlCol="0" anchor="ctr"/>
           <a:lstStyle>
             <a:lvl1pPr algn="ctr">
-              <a:defRPr sz="1830">
+              <a:defRPr sz="2205">
                 <a:solidFill>
                   <a:schemeClr val="tx1">
                     <a:tint val="75000"/>
@@ -2622,8 +2622,8 @@
         </p:nvSpPr>
         <p:spPr>
           <a:xfrm>
-            <a:off x="11153418" y="9693436"/>
-            <a:ext cx="3553301" cy="556816"/>
+            <a:off x="12712968" y="11678325"/>
+            <a:ext cx="4050149" cy="670833"/>
           </a:xfrm>
           <a:prstGeom prst="rect">
             <a:avLst/>
@@ -2633,7 +2633,7 @@
           <a:bodyPr vert="horz" lIns="91440" tIns="45720" rIns="91440" bIns="45720" rtlCol="0" anchor="ctr"/>
           <a:lstStyle>
             <a:lvl1pPr algn="r">
-              <a:defRPr sz="1830">
+              <a:defRPr sz="2205">
                 <a:solidFill>
                   <a:schemeClr val="tx1">
                     <a:tint val="75000"/>
@@ -2654,27 +2654,27 @@
     </p:spTree>
     <p:extLst>
       <p:ext uri="{BB962C8B-B14F-4D97-AF65-F5344CB8AC3E}">
-        <p14:creationId xmlns:p14="http://schemas.microsoft.com/office/powerpoint/2010/main" val="1801628718"/>
+        <p14:creationId xmlns:p14="http://schemas.microsoft.com/office/powerpoint/2010/main" val="762014119"/>
       </p:ext>
     </p:extLst>
   </p:cSld>
   <p:clrMap bg1="lt1" tx1="dk1" bg2="lt2" tx2="dk2" accent1="accent1" accent2="accent2" accent3="accent3" accent4="accent4" accent5="accent5" accent6="accent6" hlink="hlink" folHlink="folHlink"/>
   <p:sldLayoutIdLst>
-    <p:sldLayoutId id="2147483661" r:id="rId1"/>
-    <p:sldLayoutId id="2147483662" r:id="rId2"/>
-    <p:sldLayoutId id="2147483663" r:id="rId3"/>
-    <p:sldLayoutId id="2147483664" r:id="rId4"/>
-    <p:sldLayoutId id="2147483665" r:id="rId5"/>
-    <p:sldLayoutId id="2147483666" r:id="rId6"/>
-    <p:sldLayoutId id="2147483667" r:id="rId7"/>
-    <p:sldLayoutId id="2147483668" r:id="rId8"/>
-    <p:sldLayoutId id="2147483669" r:id="rId9"/>
-    <p:sldLayoutId id="2147483670" r:id="rId10"/>
-    <p:sldLayoutId id="2147483671" r:id="rId11"/>
+    <p:sldLayoutId id="2147483673" r:id="rId1"/>
+    <p:sldLayoutId id="2147483674" r:id="rId2"/>
+    <p:sldLayoutId id="2147483675" r:id="rId3"/>
+    <p:sldLayoutId id="2147483676" r:id="rId4"/>
+    <p:sldLayoutId id="2147483677" r:id="rId5"/>
+    <p:sldLayoutId id="2147483678" r:id="rId6"/>
+    <p:sldLayoutId id="2147483679" r:id="rId7"/>
+    <p:sldLayoutId id="2147483680" r:id="rId8"/>
+    <p:sldLayoutId id="2147483681" r:id="rId9"/>
+    <p:sldLayoutId id="2147483682" r:id="rId10"/>
+    <p:sldLayoutId id="2147483683" r:id="rId11"/>
   </p:sldLayoutIdLst>
   <p:txStyles>
     <p:titleStyle>
-      <a:lvl1pPr algn="l" defTabSz="1394460" rtl="0" eaLnBrk="1" latinLnBrk="0" hangingPunct="1">
+      <a:lvl1pPr algn="l" defTabSz="1680027" rtl="0" eaLnBrk="1" latinLnBrk="0" hangingPunct="1">
         <a:lnSpc>
           <a:spcPct val="90000"/>
         </a:lnSpc>
@@ -2682,7 +2682,7 @@
           <a:spcPct val="0"/>
         </a:spcBef>
         <a:buNone/>
-        <a:defRPr sz="6710" kern="1200">
+        <a:defRPr sz="8084" kern="1200">
           <a:solidFill>
             <a:schemeClr val="tx1"/>
           </a:solidFill>
@@ -2693,16 +2693,16 @@
       </a:lvl1pPr>
     </p:titleStyle>
     <p:bodyStyle>
-      <a:lvl1pPr marL="348615" indent="-348615" algn="l" defTabSz="1394460" rtl="0" eaLnBrk="1" latinLnBrk="0" hangingPunct="1">
+      <a:lvl1pPr marL="420007" indent="-420007" algn="l" defTabSz="1680027" rtl="0" eaLnBrk="1" latinLnBrk="0" hangingPunct="1">
         <a:lnSpc>
           <a:spcPct val="90000"/>
         </a:lnSpc>
         <a:spcBef>
-          <a:spcPts val="1525"/>
+          <a:spcPts val="1837"/>
         </a:spcBef>
         <a:buFont typeface="Arial" panose="020B0604020202020204" pitchFamily="34" charset="0"/>
         <a:buChar char="•"/>
-        <a:defRPr sz="4270" kern="1200">
+        <a:defRPr sz="5144" kern="1200">
           <a:solidFill>
             <a:schemeClr val="tx1"/>
           </a:solidFill>
@@ -2711,16 +2711,16 @@
           <a:cs typeface="+mn-cs"/>
         </a:defRPr>
       </a:lvl1pPr>
-      <a:lvl2pPr marL="1045845" indent="-348615" algn="l" defTabSz="1394460" rtl="0" eaLnBrk="1" latinLnBrk="0" hangingPunct="1">
+      <a:lvl2pPr marL="1260020" indent="-420007" algn="l" defTabSz="1680027" rtl="0" eaLnBrk="1" latinLnBrk="0" hangingPunct="1">
         <a:lnSpc>
           <a:spcPct val="90000"/>
         </a:lnSpc>
         <a:spcBef>
-          <a:spcPts val="763"/>
+          <a:spcPts val="919"/>
         </a:spcBef>
         <a:buFont typeface="Arial" panose="020B0604020202020204" pitchFamily="34" charset="0"/>
         <a:buChar char="•"/>
-        <a:defRPr sz="3660" kern="1200">
+        <a:defRPr sz="4410" kern="1200">
           <a:solidFill>
             <a:schemeClr val="tx1"/>
           </a:solidFill>
@@ -2729,16 +2729,16 @@
           <a:cs typeface="+mn-cs"/>
         </a:defRPr>
       </a:lvl2pPr>
-      <a:lvl3pPr marL="1743075" indent="-348615" algn="l" defTabSz="1394460" rtl="0" eaLnBrk="1" latinLnBrk="0" hangingPunct="1">
+      <a:lvl3pPr marL="2100034" indent="-420007" algn="l" defTabSz="1680027" rtl="0" eaLnBrk="1" latinLnBrk="0" hangingPunct="1">
         <a:lnSpc>
           <a:spcPct val="90000"/>
         </a:lnSpc>
         <a:spcBef>
-          <a:spcPts val="763"/>
+          <a:spcPts val="919"/>
         </a:spcBef>
         <a:buFont typeface="Arial" panose="020B0604020202020204" pitchFamily="34" charset="0"/>
         <a:buChar char="•"/>
-        <a:defRPr sz="3050" kern="1200">
+        <a:defRPr sz="3675" kern="1200">
           <a:solidFill>
             <a:schemeClr val="tx1"/>
           </a:solidFill>
@@ -2747,16 +2747,16 @@
           <a:cs typeface="+mn-cs"/>
         </a:defRPr>
       </a:lvl3pPr>
-      <a:lvl4pPr marL="2440305" indent="-348615" algn="l" defTabSz="1394460" rtl="0" eaLnBrk="1" latinLnBrk="0" hangingPunct="1">
+      <a:lvl4pPr marL="2940047" indent="-420007" algn="l" defTabSz="1680027" rtl="0" eaLnBrk="1" latinLnBrk="0" hangingPunct="1">
         <a:lnSpc>
           <a:spcPct val="90000"/>
         </a:lnSpc>
         <a:spcBef>
-          <a:spcPts val="763"/>
+          <a:spcPts val="919"/>
         </a:spcBef>
         <a:buFont typeface="Arial" panose="020B0604020202020204" pitchFamily="34" charset="0"/>
         <a:buChar char="•"/>
-        <a:defRPr sz="2745" kern="1200">
+        <a:defRPr sz="3307" kern="1200">
           <a:solidFill>
             <a:schemeClr val="tx1"/>
           </a:solidFill>
@@ -2765,16 +2765,16 @@
           <a:cs typeface="+mn-cs"/>
         </a:defRPr>
       </a:lvl4pPr>
-      <a:lvl5pPr marL="3137535" indent="-348615" algn="l" defTabSz="1394460" rtl="0" eaLnBrk="1" latinLnBrk="0" hangingPunct="1">
+      <a:lvl5pPr marL="3780061" indent="-420007" algn="l" defTabSz="1680027" rtl="0" eaLnBrk="1" latinLnBrk="0" hangingPunct="1">
         <a:lnSpc>
           <a:spcPct val="90000"/>
         </a:lnSpc>
         <a:spcBef>
-          <a:spcPts val="763"/>
+          <a:spcPts val="919"/>
         </a:spcBef>
         <a:buFont typeface="Arial" panose="020B0604020202020204" pitchFamily="34" charset="0"/>
         <a:buChar char="•"/>
-        <a:defRPr sz="2745" kern="1200">
+        <a:defRPr sz="3307" kern="1200">
           <a:solidFill>
             <a:schemeClr val="tx1"/>
           </a:solidFill>
@@ -2783,16 +2783,16 @@
           <a:cs typeface="+mn-cs"/>
         </a:defRPr>
       </a:lvl5pPr>
-      <a:lvl6pPr marL="3834765" indent="-348615" algn="l" defTabSz="1394460" rtl="0" eaLnBrk="1" latinLnBrk="0" hangingPunct="1">
+      <a:lvl6pPr marL="4620075" indent="-420007" algn="l" defTabSz="1680027" rtl="0" eaLnBrk="1" latinLnBrk="0" hangingPunct="1">
         <a:lnSpc>
           <a:spcPct val="90000"/>
         </a:lnSpc>
         <a:spcBef>
-          <a:spcPts val="763"/>
+          <a:spcPts val="919"/>
         </a:spcBef>
         <a:buFont typeface="Arial" panose="020B0604020202020204" pitchFamily="34" charset="0"/>
         <a:buChar char="•"/>
-        <a:defRPr sz="2745" kern="1200">
+        <a:defRPr sz="3307" kern="1200">
           <a:solidFill>
             <a:schemeClr val="tx1"/>
           </a:solidFill>
@@ -2801,16 +2801,16 @@
           <a:cs typeface="+mn-cs"/>
         </a:defRPr>
       </a:lvl6pPr>
-      <a:lvl7pPr marL="4531995" indent="-348615" algn="l" defTabSz="1394460" rtl="0" eaLnBrk="1" latinLnBrk="0" hangingPunct="1">
+      <a:lvl7pPr marL="5460088" indent="-420007" algn="l" defTabSz="1680027" rtl="0" eaLnBrk="1" latinLnBrk="0" hangingPunct="1">
         <a:lnSpc>
           <a:spcPct val="90000"/>
         </a:lnSpc>
         <a:spcBef>
-          <a:spcPts val="763"/>
+          <a:spcPts val="919"/>
         </a:spcBef>
         <a:buFont typeface="Arial" panose="020B0604020202020204" pitchFamily="34" charset="0"/>
         <a:buChar char="•"/>
-        <a:defRPr sz="2745" kern="1200">
+        <a:defRPr sz="3307" kern="1200">
           <a:solidFill>
             <a:schemeClr val="tx1"/>
           </a:solidFill>
@@ -2819,16 +2819,16 @@
           <a:cs typeface="+mn-cs"/>
         </a:defRPr>
       </a:lvl7pPr>
-      <a:lvl8pPr marL="5229225" indent="-348615" algn="l" defTabSz="1394460" rtl="0" eaLnBrk="1" latinLnBrk="0" hangingPunct="1">
+      <a:lvl8pPr marL="6300102" indent="-420007" algn="l" defTabSz="1680027" rtl="0" eaLnBrk="1" latinLnBrk="0" hangingPunct="1">
         <a:lnSpc>
           <a:spcPct val="90000"/>
         </a:lnSpc>
         <a:spcBef>
-          <a:spcPts val="763"/>
+          <a:spcPts val="919"/>
         </a:spcBef>
         <a:buFont typeface="Arial" panose="020B0604020202020204" pitchFamily="34" charset="0"/>
         <a:buChar char="•"/>
-        <a:defRPr sz="2745" kern="1200">
+        <a:defRPr sz="3307" kern="1200">
           <a:solidFill>
             <a:schemeClr val="tx1"/>
           </a:solidFill>
@@ -2837,16 +2837,16 @@
           <a:cs typeface="+mn-cs"/>
         </a:defRPr>
       </a:lvl8pPr>
-      <a:lvl9pPr marL="5926455" indent="-348615" algn="l" defTabSz="1394460" rtl="0" eaLnBrk="1" latinLnBrk="0" hangingPunct="1">
+      <a:lvl9pPr marL="7140115" indent="-420007" algn="l" defTabSz="1680027" rtl="0" eaLnBrk="1" latinLnBrk="0" hangingPunct="1">
         <a:lnSpc>
           <a:spcPct val="90000"/>
         </a:lnSpc>
         <a:spcBef>
-          <a:spcPts val="763"/>
+          <a:spcPts val="919"/>
         </a:spcBef>
         <a:buFont typeface="Arial" panose="020B0604020202020204" pitchFamily="34" charset="0"/>
         <a:buChar char="•"/>
-        <a:defRPr sz="2745" kern="1200">
+        <a:defRPr sz="3307" kern="1200">
           <a:solidFill>
             <a:schemeClr val="tx1"/>
           </a:solidFill>
@@ -2860,8 +2860,8 @@
       <a:defPPr>
         <a:defRPr lang="en-US"/>
       </a:defPPr>
-      <a:lvl1pPr marL="0" algn="l" defTabSz="1394460" rtl="0" eaLnBrk="1" latinLnBrk="0" hangingPunct="1">
-        <a:defRPr sz="2745" kern="1200">
+      <a:lvl1pPr marL="0" algn="l" defTabSz="1680027" rtl="0" eaLnBrk="1" latinLnBrk="0" hangingPunct="1">
+        <a:defRPr sz="3307" kern="1200">
           <a:solidFill>
             <a:schemeClr val="tx1"/>
           </a:solidFill>
@@ -2870,8 +2870,8 @@
           <a:cs typeface="+mn-cs"/>
         </a:defRPr>
       </a:lvl1pPr>
-      <a:lvl2pPr marL="697230" algn="l" defTabSz="1394460" rtl="0" eaLnBrk="1" latinLnBrk="0" hangingPunct="1">
-        <a:defRPr sz="2745" kern="1200">
+      <a:lvl2pPr marL="840014" algn="l" defTabSz="1680027" rtl="0" eaLnBrk="1" latinLnBrk="0" hangingPunct="1">
+        <a:defRPr sz="3307" kern="1200">
           <a:solidFill>
             <a:schemeClr val="tx1"/>
           </a:solidFill>
@@ -2880,8 +2880,8 @@
           <a:cs typeface="+mn-cs"/>
         </a:defRPr>
       </a:lvl2pPr>
-      <a:lvl3pPr marL="1394460" algn="l" defTabSz="1394460" rtl="0" eaLnBrk="1" latinLnBrk="0" hangingPunct="1">
-        <a:defRPr sz="2745" kern="1200">
+      <a:lvl3pPr marL="1680027" algn="l" defTabSz="1680027" rtl="0" eaLnBrk="1" latinLnBrk="0" hangingPunct="1">
+        <a:defRPr sz="3307" kern="1200">
           <a:solidFill>
             <a:schemeClr val="tx1"/>
           </a:solidFill>
@@ -2890,8 +2890,8 @@
           <a:cs typeface="+mn-cs"/>
         </a:defRPr>
       </a:lvl3pPr>
-      <a:lvl4pPr marL="2091690" algn="l" defTabSz="1394460" rtl="0" eaLnBrk="1" latinLnBrk="0" hangingPunct="1">
-        <a:defRPr sz="2745" kern="1200">
+      <a:lvl4pPr marL="2520041" algn="l" defTabSz="1680027" rtl="0" eaLnBrk="1" latinLnBrk="0" hangingPunct="1">
+        <a:defRPr sz="3307" kern="1200">
           <a:solidFill>
             <a:schemeClr val="tx1"/>
           </a:solidFill>
@@ -2900,8 +2900,8 @@
           <a:cs typeface="+mn-cs"/>
         </a:defRPr>
       </a:lvl4pPr>
-      <a:lvl5pPr marL="2788920" algn="l" defTabSz="1394460" rtl="0" eaLnBrk="1" latinLnBrk="0" hangingPunct="1">
-        <a:defRPr sz="2745" kern="1200">
+      <a:lvl5pPr marL="3360054" algn="l" defTabSz="1680027" rtl="0" eaLnBrk="1" latinLnBrk="0" hangingPunct="1">
+        <a:defRPr sz="3307" kern="1200">
           <a:solidFill>
             <a:schemeClr val="tx1"/>
           </a:solidFill>
@@ -2910,8 +2910,8 @@
           <a:cs typeface="+mn-cs"/>
         </a:defRPr>
       </a:lvl5pPr>
-      <a:lvl6pPr marL="3486150" algn="l" defTabSz="1394460" rtl="0" eaLnBrk="1" latinLnBrk="0" hangingPunct="1">
-        <a:defRPr sz="2745" kern="1200">
+      <a:lvl6pPr marL="4200068" algn="l" defTabSz="1680027" rtl="0" eaLnBrk="1" latinLnBrk="0" hangingPunct="1">
+        <a:defRPr sz="3307" kern="1200">
           <a:solidFill>
             <a:schemeClr val="tx1"/>
           </a:solidFill>
@@ -2920,8 +2920,8 @@
           <a:cs typeface="+mn-cs"/>
         </a:defRPr>
       </a:lvl6pPr>
-      <a:lvl7pPr marL="4183380" algn="l" defTabSz="1394460" rtl="0" eaLnBrk="1" latinLnBrk="0" hangingPunct="1">
-        <a:defRPr sz="2745" kern="1200">
+      <a:lvl7pPr marL="5040081" algn="l" defTabSz="1680027" rtl="0" eaLnBrk="1" latinLnBrk="0" hangingPunct="1">
+        <a:defRPr sz="3307" kern="1200">
           <a:solidFill>
             <a:schemeClr val="tx1"/>
           </a:solidFill>
@@ -2930,8 +2930,8 @@
           <a:cs typeface="+mn-cs"/>
         </a:defRPr>
       </a:lvl7pPr>
-      <a:lvl8pPr marL="4880610" algn="l" defTabSz="1394460" rtl="0" eaLnBrk="1" latinLnBrk="0" hangingPunct="1">
-        <a:defRPr sz="2745" kern="1200">
+      <a:lvl8pPr marL="5880095" algn="l" defTabSz="1680027" rtl="0" eaLnBrk="1" latinLnBrk="0" hangingPunct="1">
+        <a:defRPr sz="3307" kern="1200">
           <a:solidFill>
             <a:schemeClr val="tx1"/>
           </a:solidFill>
@@ -2940,8 +2940,8 @@
           <a:cs typeface="+mn-cs"/>
         </a:defRPr>
       </a:lvl8pPr>
-      <a:lvl9pPr marL="5577840" algn="l" defTabSz="1394460" rtl="0" eaLnBrk="1" latinLnBrk="0" hangingPunct="1">
-        <a:defRPr sz="2745" kern="1200">
+      <a:lvl9pPr marL="6720108" algn="l" defTabSz="1680027" rtl="0" eaLnBrk="1" latinLnBrk="0" hangingPunct="1">
+        <a:defRPr sz="3307" kern="1200">
           <a:solidFill>
             <a:schemeClr val="tx1"/>
           </a:solidFill>
@@ -2958,6 +2958,14 @@
 <file path=ppt/slides/slide1.xml><?xml version="1.0" encoding="utf-8"?>
 <p:sld xmlns:a="http://schemas.openxmlformats.org/drawingml/2006/main" xmlns:r="http://schemas.openxmlformats.org/officeDocument/2006/relationships" xmlns:p="http://schemas.openxmlformats.org/presentationml/2006/main">
   <p:cSld>
+    <p:bg>
+      <p:bgPr>
+        <a:solidFill>
+          <a:schemeClr val="bg1"/>
+        </a:solidFill>
+        <a:effectLst/>
+      </p:bgPr>
+    </p:bg>
     <p:spTree>
       <p:nvGrpSpPr>
         <p:cNvPr id="1" name=""/>
@@ -2990,8 +2998,8 @@
         </p:nvSpPr>
         <p:spPr>
           <a:xfrm>
-            <a:off x="6767621" y="-207133"/>
-            <a:ext cx="6838284" cy="1579665"/>
+            <a:off x="9928557" y="277330"/>
+            <a:ext cx="7794461" cy="1253854"/>
           </a:xfrm>
         </p:spPr>
         <p:txBody>
@@ -3001,17 +3009,20 @@
           <a:lstStyle/>
           <a:p>
             <a:r>
-              <a:rPr lang="es-MX" sz="4145" dirty="0">
+              <a:rPr lang="en-US" sz="4724" dirty="0">
                 <a:latin typeface="Arial Black" panose="020B0A04020102020204" pitchFamily="34" charset="0"/>
               </a:rPr>
-              <a:t>Data </a:t>
-            </a:r>
-            <a:r>
-              <a:rPr lang="en-US" sz="4145" dirty="0">
+              <a:t>Capstone</a:t>
+            </a:r>
+            <a:r>
+              <a:rPr lang="es-MX" sz="4724" dirty="0">
                 <a:latin typeface="Arial Black" panose="020B0A04020102020204" pitchFamily="34" charset="0"/>
               </a:rPr>
-              <a:t>Warehouse</a:t>
-            </a:r>
+              <a:t> Project</a:t>
+            </a:r>
+            <a:endParaRPr lang="en-US" sz="4724" dirty="0">
+              <a:latin typeface="Arial Black" panose="020B0A04020102020204" pitchFamily="34" charset="0"/>
+            </a:endParaRPr>
           </a:p>
         </p:txBody>
       </p:sp>
@@ -3033,8 +3044,8 @@
         </p:nvSpPr>
         <p:spPr>
           <a:xfrm>
-            <a:off x="2500053" y="7885518"/>
-            <a:ext cx="2530850" cy="2060246"/>
+            <a:off x="2439300" y="9067020"/>
+            <a:ext cx="2884731" cy="756947"/>
           </a:xfrm>
         </p:spPr>
         <p:txBody>
@@ -3046,18 +3057,6 @@
             <a:r>
               <a:rPr lang="en-US" dirty="0"/>
               <a:t>Datasets</a:t>
-            </a:r>
-          </a:p>
-          <a:p>
-            <a:r>
-              <a:rPr lang="en-US" sz="2202" dirty="0"/>
-              <a:t>Song data: json files</a:t>
-            </a:r>
-          </a:p>
-          <a:p>
-            <a:r>
-              <a:rPr lang="en-US" sz="2202" dirty="0"/>
-              <a:t>Log data: json files</a:t>
             </a:r>
           </a:p>
         </p:txBody>
@@ -3091,8 +3090,8 @@
         </p:blipFill>
         <p:spPr bwMode="auto">
           <a:xfrm>
-            <a:off x="1219329" y="6250750"/>
-            <a:ext cx="4581024" cy="1579663"/>
+            <a:off x="1270879" y="7130643"/>
+            <a:ext cx="5221575" cy="1800543"/>
           </a:xfrm>
           <a:prstGeom prst="rect">
             <a:avLst/>
@@ -3138,8 +3137,8 @@
         </p:blipFill>
         <p:spPr bwMode="auto">
           <a:xfrm>
-            <a:off x="10545919" y="3973635"/>
-            <a:ext cx="4554231" cy="2277115"/>
+            <a:off x="12670970" y="5033955"/>
+            <a:ext cx="5065679" cy="2595517"/>
           </a:xfrm>
           <a:prstGeom prst="rect">
             <a:avLst/>
@@ -3156,62 +3155,6 @@
           </a:extLst>
         </p:spPr>
       </p:pic>
-      <p:pic>
-        <p:nvPicPr>
-          <p:cNvPr id="1030" name="Picture 6" descr="📊 Conoce qué es un data warehouse y cómo está compuesto 📈 | Crehana MX">
-            <a:extLst>
-              <a:ext uri="{FF2B5EF4-FFF2-40B4-BE49-F238E27FC236}">
-                <a16:creationId xmlns:a16="http://schemas.microsoft.com/office/drawing/2014/main" id="{3B55885F-7926-445F-A4FA-4B73F303503B}"/>
-              </a:ext>
-            </a:extLst>
-          </p:cNvPr>
-          <p:cNvPicPr>
-            <a:picLocks noChangeAspect="1" noChangeArrowheads="1"/>
-          </p:cNvPicPr>
-          <p:nvPr/>
-        </p:nvPicPr>
-        <p:blipFill>
-          <a:blip r:embed="rId4">
-            <a:extLst>
-              <a:ext uri="{BEBA8EAE-BF5A-486C-A8C5-ECC9F3942E4B}">
-                <a14:imgProps xmlns:a14="http://schemas.microsoft.com/office/drawing/2010/main">
-                  <a14:imgLayer r:embed="rId5">
-                    <a14:imgEffect>
-                      <a14:backgroundRemoval t="9873" b="89809" l="59000" r="92083"/>
-                    </a14:imgEffect>
-                  </a14:imgLayer>
-                </a14:imgProps>
-              </a:ext>
-              <a:ext uri="{28A0092B-C50C-407E-A947-70E740481C1C}">
-                <a14:useLocalDpi xmlns:a14="http://schemas.microsoft.com/office/drawing/2010/main" val="0"/>
-              </a:ext>
-            </a:extLst>
-          </a:blip>
-          <a:srcRect/>
-          <a:stretch>
-            <a:fillRect/>
-          </a:stretch>
-        </p:blipFill>
-        <p:spPr bwMode="auto">
-          <a:xfrm>
-            <a:off x="9366372" y="-220613"/>
-            <a:ext cx="5249684" cy="2747334"/>
-          </a:xfrm>
-          <a:prstGeom prst="rect">
-            <a:avLst/>
-          </a:prstGeom>
-          <a:noFill/>
-          <a:extLst>
-            <a:ext uri="{909E8E84-426E-40DD-AFC4-6F175D3DCCD1}">
-              <a14:hiddenFill xmlns:a14="http://schemas.microsoft.com/office/drawing/2010/main">
-                <a:solidFill>
-                  <a:srgbClr val="FFFFFF"/>
-                </a:solidFill>
-              </a14:hiddenFill>
-            </a:ext>
-          </a:extLst>
-        </p:spPr>
-      </p:pic>
       <p:sp>
         <p:nvSpPr>
           <p:cNvPr id="6" name="Flecha: doblada hacia arriba 5">
@@ -3226,11 +3169,15 @@
         </p:nvSpPr>
         <p:spPr>
           <a:xfrm flipV="1">
-            <a:off x="6385072" y="2415403"/>
-            <a:ext cx="5532348" cy="1661556"/>
+            <a:off x="9552213" y="1888697"/>
+            <a:ext cx="4490358" cy="3097912"/>
           </a:xfrm>
           <a:prstGeom prst="bentUpArrow">
-            <a:avLst/>
+            <a:avLst>
+              <a:gd name="adj1" fmla="val 21838"/>
+              <a:gd name="adj2" fmla="val 17621"/>
+              <a:gd name="adj3" fmla="val 21310"/>
+            </a:avLst>
           </a:prstGeom>
           <a:ln>
             <a:noFill/>
@@ -3273,7 +3220,7 @@
           <a:lstStyle/>
           <a:p>
             <a:pPr algn="ctr"/>
-            <a:endParaRPr lang="en-US" dirty="0"/>
+            <a:endParaRPr lang="en-US" sz="2391" dirty="0"/>
           </a:p>
         </p:txBody>
       </p:sp>
@@ -3291,11 +3238,15 @@
         </p:nvSpPr>
         <p:spPr>
           <a:xfrm>
-            <a:off x="6362740" y="6339954"/>
-            <a:ext cx="5670444" cy="1819668"/>
+            <a:off x="7252422" y="7566032"/>
+            <a:ext cx="6937107" cy="3275095"/>
           </a:xfrm>
           <a:prstGeom prst="bentUpArrow">
-            <a:avLst/>
+            <a:avLst>
+              <a:gd name="adj1" fmla="val 21011"/>
+              <a:gd name="adj2" fmla="val 20499"/>
+              <a:gd name="adj3" fmla="val 22499"/>
+            </a:avLst>
           </a:prstGeom>
           <a:ln>
             <a:noFill/>
@@ -3338,44 +3289,7 @@
           <a:lstStyle/>
           <a:p>
             <a:pPr algn="ctr"/>
-            <a:endParaRPr lang="en-US" dirty="0"/>
-          </a:p>
-        </p:txBody>
-      </p:sp>
-      <p:sp>
-        <p:nvSpPr>
-          <p:cNvPr id="7" name="CuadroTexto 6">
-            <a:extLst>
-              <a:ext uri="{FF2B5EF4-FFF2-40B4-BE49-F238E27FC236}">
-                <a16:creationId xmlns:a16="http://schemas.microsoft.com/office/drawing/2014/main" id="{02D78ADD-2A94-4FA5-B587-28B3BCBBED50}"/>
-              </a:ext>
-            </a:extLst>
-          </p:cNvPr>
-          <p:cNvSpPr txBox="1"/>
-          <p:nvPr/>
-        </p:nvSpPr>
-        <p:spPr>
-          <a:xfrm>
-            <a:off x="12619738" y="5833687"/>
-            <a:ext cx="2279603" cy="461665"/>
-          </a:xfrm>
-          <a:prstGeom prst="rect">
-            <a:avLst/>
-          </a:prstGeom>
-          <a:noFill/>
-        </p:spPr>
-        <p:txBody>
-          <a:bodyPr wrap="square" rtlCol="0">
-            <a:spAutoFit/>
-          </a:bodyPr>
-          <a:lstStyle/>
-          <a:p>
-            <a:r>
-              <a:rPr lang="en-US" sz="2400" dirty="0">
-                <a:latin typeface="Arial Black" panose="020B0A04020102020204" pitchFamily="34" charset="0"/>
-              </a:rPr>
-              <a:t>DB Cluster</a:t>
-            </a:r>
+            <a:endParaRPr lang="en-US" sz="2391" dirty="0"/>
           </a:p>
         </p:txBody>
       </p:sp>
@@ -3393,8 +3307,8 @@
         </p:nvSpPr>
         <p:spPr>
           <a:xfrm>
-            <a:off x="7964452" y="3136124"/>
-            <a:ext cx="2279603" cy="830997"/>
+            <a:off x="13841955" y="2683891"/>
+            <a:ext cx="2598353" cy="934358"/>
           </a:xfrm>
           <a:prstGeom prst="rect">
             <a:avLst/>
@@ -3409,7 +3323,7 @@
           <a:p>
             <a:pPr algn="ctr"/>
             <a:r>
-              <a:rPr lang="en-US" sz="2400" dirty="0">
+              <a:rPr lang="en-US" sz="2736" dirty="0">
                 <a:latin typeface="Arial Black" panose="020B0A04020102020204" pitchFamily="34" charset="0"/>
               </a:rPr>
               <a:t>Creation of Tables</a:t>
@@ -3431,8 +3345,8 @@
         </p:nvSpPr>
         <p:spPr>
           <a:xfrm>
-            <a:off x="7896225" y="6625082"/>
-            <a:ext cx="2279603" cy="461665"/>
+            <a:off x="9000331" y="11045819"/>
+            <a:ext cx="2598353" cy="513346"/>
           </a:xfrm>
           <a:prstGeom prst="rect">
             <a:avLst/>
@@ -3447,47 +3361,10 @@
           <a:p>
             <a:pPr algn="ctr"/>
             <a:r>
-              <a:rPr lang="en-US" sz="2400" dirty="0">
+              <a:rPr lang="en-US" sz="2736" dirty="0">
                 <a:latin typeface="Arial Black" panose="020B0A04020102020204" pitchFamily="34" charset="0"/>
               </a:rPr>
               <a:t>ETL</a:t>
-            </a:r>
-          </a:p>
-        </p:txBody>
-      </p:sp>
-      <p:sp>
-        <p:nvSpPr>
-          <p:cNvPr id="24" name="CuadroTexto 23">
-            <a:extLst>
-              <a:ext uri="{FF2B5EF4-FFF2-40B4-BE49-F238E27FC236}">
-                <a16:creationId xmlns:a16="http://schemas.microsoft.com/office/drawing/2014/main" id="{D14A75BA-82E4-45DF-9DB1-E6042FDE9355}"/>
-              </a:ext>
-            </a:extLst>
-          </p:cNvPr>
-          <p:cNvSpPr txBox="1"/>
-          <p:nvPr/>
-        </p:nvSpPr>
-        <p:spPr>
-          <a:xfrm>
-            <a:off x="694333" y="7830413"/>
-            <a:ext cx="2279603" cy="830997"/>
-          </a:xfrm>
-          <a:prstGeom prst="rect">
-            <a:avLst/>
-          </a:prstGeom>
-          <a:noFill/>
-        </p:spPr>
-        <p:txBody>
-          <a:bodyPr wrap="square" rtlCol="0">
-            <a:spAutoFit/>
-          </a:bodyPr>
-          <a:lstStyle/>
-          <a:p>
-            <a:r>
-              <a:rPr lang="en-US" sz="2400" dirty="0">
-                <a:latin typeface="Arial Black" panose="020B0A04020102020204" pitchFamily="34" charset="0"/>
-              </a:rPr>
-              <a:t>Sparkify Data</a:t>
             </a:r>
           </a:p>
         </p:txBody>
@@ -3506,8 +3383,8 @@
         </p:nvSpPr>
         <p:spPr>
           <a:xfrm>
-            <a:off x="448235" y="5833687"/>
-            <a:ext cx="5914505" cy="4218228"/>
+            <a:off x="510911" y="6988976"/>
+            <a:ext cx="6741513" cy="4808051"/>
           </a:xfrm>
           <a:prstGeom prst="rect">
             <a:avLst/>
@@ -3538,7 +3415,7 @@
           <a:lstStyle/>
           <a:p>
             <a:pPr algn="ctr"/>
-            <a:endParaRPr lang="en-US"/>
+            <a:endParaRPr lang="en-US" sz="2391"/>
           </a:p>
         </p:txBody>
       </p:sp>
@@ -3556,8 +3433,8 @@
         </p:nvSpPr>
         <p:spPr>
           <a:xfrm>
-            <a:off x="10545919" y="4118496"/>
-            <a:ext cx="4554231" cy="2176856"/>
+            <a:off x="12883243" y="5043705"/>
+            <a:ext cx="4619572" cy="2481239"/>
           </a:xfrm>
           <a:prstGeom prst="rect">
             <a:avLst/>
@@ -3588,10 +3465,100 @@
           <a:lstStyle/>
           <a:p>
             <a:pPr algn="ctr"/>
-            <a:endParaRPr lang="en-US"/>
-          </a:p>
-        </p:txBody>
-      </p:sp>
+            <a:endParaRPr lang="en-US" sz="2391"/>
+          </a:p>
+        </p:txBody>
+      </p:sp>
+      <p:pic>
+        <p:nvPicPr>
+          <p:cNvPr id="5" name="Imagen 4">
+            <a:extLst>
+              <a:ext uri="{FF2B5EF4-FFF2-40B4-BE49-F238E27FC236}">
+                <a16:creationId xmlns:a16="http://schemas.microsoft.com/office/drawing/2014/main" id="{BB58CD9D-369D-4258-B8C9-B64C750765B6}"/>
+              </a:ext>
+            </a:extLst>
+          </p:cNvPr>
+          <p:cNvPicPr>
+            <a:picLocks noChangeAspect="1"/>
+          </p:cNvPicPr>
+          <p:nvPr/>
+        </p:nvPicPr>
+        <p:blipFill>
+          <a:blip r:embed="rId4"/>
+          <a:stretch>
+            <a:fillRect/>
+          </a:stretch>
+        </p:blipFill>
+        <p:spPr>
+          <a:xfrm>
+            <a:off x="497849" y="228750"/>
+            <a:ext cx="8871384" cy="6426514"/>
+          </a:xfrm>
+          <a:prstGeom prst="rect">
+            <a:avLst/>
+          </a:prstGeom>
+        </p:spPr>
+      </p:pic>
+      <p:pic>
+        <p:nvPicPr>
+          <p:cNvPr id="10" name="Imagen 9">
+            <a:extLst>
+              <a:ext uri="{FF2B5EF4-FFF2-40B4-BE49-F238E27FC236}">
+                <a16:creationId xmlns:a16="http://schemas.microsoft.com/office/drawing/2014/main" id="{850DDDD8-AD14-487E-9A3F-043801599F39}"/>
+              </a:ext>
+            </a:extLst>
+          </p:cNvPr>
+          <p:cNvPicPr>
+            <a:picLocks noChangeAspect="1"/>
+          </p:cNvPicPr>
+          <p:nvPr/>
+        </p:nvPicPr>
+        <p:blipFill>
+          <a:blip r:embed="rId5"/>
+          <a:stretch>
+            <a:fillRect/>
+          </a:stretch>
+        </p:blipFill>
+        <p:spPr>
+          <a:xfrm>
+            <a:off x="1077830" y="10061829"/>
+            <a:ext cx="5607670" cy="1497336"/>
+          </a:xfrm>
+          <a:prstGeom prst="rect">
+            <a:avLst/>
+          </a:prstGeom>
+        </p:spPr>
+      </p:pic>
+      <p:pic>
+        <p:nvPicPr>
+          <p:cNvPr id="12" name="Imagen 11">
+            <a:extLst>
+              <a:ext uri="{FF2B5EF4-FFF2-40B4-BE49-F238E27FC236}">
+                <a16:creationId xmlns:a16="http://schemas.microsoft.com/office/drawing/2014/main" id="{B61E80BE-2E29-46F8-BFE9-88E26F4C9309}"/>
+              </a:ext>
+            </a:extLst>
+          </p:cNvPr>
+          <p:cNvPicPr>
+            <a:picLocks noChangeAspect="1"/>
+          </p:cNvPicPr>
+          <p:nvPr/>
+        </p:nvPicPr>
+        <p:blipFill>
+          <a:blip r:embed="rId6"/>
+          <a:stretch>
+            <a:fillRect/>
+          </a:stretch>
+        </p:blipFill>
+        <p:spPr>
+          <a:xfrm>
+            <a:off x="9066430" y="3151070"/>
+            <a:ext cx="3811330" cy="6493377"/>
+          </a:xfrm>
+          <a:prstGeom prst="rect">
+            <a:avLst/>
+          </a:prstGeom>
+        </p:spPr>
+      </p:pic>
     </p:spTree>
     <p:extLst>
       <p:ext uri="{BB962C8B-B14F-4D97-AF65-F5344CB8AC3E}">
@@ -3637,14 +3604,14 @@
           <p:nvPr>
             <p:extLst>
               <p:ext uri="{D42A27DB-BD31-4B8C-83A1-F6EECF244321}">
-                <p14:modId xmlns:p14="http://schemas.microsoft.com/office/powerpoint/2010/main" val="518411491"/>
+                <p14:modId xmlns:p14="http://schemas.microsoft.com/office/powerpoint/2010/main" val="372667309"/>
               </p:ext>
             </p:extLst>
           </p:nvPr>
         </p:nvGraphicFramePr>
         <p:xfrm>
-          <a:off x="725933" y="446913"/>
-          <a:ext cx="2669546" cy="8046720"/>
+          <a:off x="827438" y="848985"/>
+          <a:ext cx="3042821" cy="9758118"/>
         </p:xfrm>
         <a:graphic>
           <a:graphicData uri="http://schemas.openxmlformats.org/drawingml/2006/table">
@@ -3653,7 +3620,7 @@
                 <a:tableStyleId>{5C22544A-7EE6-4342-B048-85BDC9FD1C3A}</a:tableStyleId>
               </a:tblPr>
               <a:tblGrid>
-                <a:gridCol w="2669546">
+                <a:gridCol w="3042821">
                   <a:extLst>
                     <a:ext uri="{9D8B030D-6E8A-4147-A177-3AD203B41FA5}">
                       <a16:colId xmlns:a16="http://schemas.microsoft.com/office/drawing/2014/main" val="725001771"/>
@@ -3661,7 +3628,7 @@
                   </a:extLst>
                 </a:gridCol>
               </a:tblGrid>
-              <a:tr h="352096">
+              <a:tr h="416903">
                 <a:tc>
                   <a:txBody>
                     <a:bodyPr/>
@@ -3669,12 +3636,12 @@
                     <a:p>
                       <a:pPr algn="ctr"/>
                       <a:r>
-                        <a:rPr lang="en-US" sz="1800" noProof="1"/>
+                        <a:rPr lang="en-US" sz="2100" noProof="1"/>
                         <a:t>immigrations</a:t>
                       </a:r>
                     </a:p>
                   </a:txBody>
-                  <a:tcPr/>
+                  <a:tcPr marL="104226" marR="104226" marT="52113" marB="52113"/>
                 </a:tc>
                 <a:extLst>
                   <a:ext uri="{0D108BD9-81ED-4DB2-BD59-A6C34878D82A}">
@@ -3682,7 +3649,7 @@
                   </a:ext>
                 </a:extLst>
               </a:tr>
-              <a:tr h="352096">
+              <a:tr h="416903">
                 <a:tc>
                   <a:txBody>
                     <a:bodyPr/>
@@ -3706,20 +3673,20 @@
                         <a:defRPr/>
                       </a:pPr>
                       <a:r>
-                        <a:rPr lang="en-US" sz="1800" noProof="1"/>
-                        <a:t>cicid</a:t>
+                        <a:rPr lang="en-US" sz="2100" noProof="1"/>
+                        <a:t>imm_idx</a:t>
                       </a:r>
                     </a:p>
                   </a:txBody>
-                  <a:tcPr/>
+                  <a:tcPr marL="104226" marR="104226" marT="52113" marB="52113"/>
                 </a:tc>
                 <a:extLst>
                   <a:ext uri="{0D108BD9-81ED-4DB2-BD59-A6C34878D82A}">
-                    <a16:rowId xmlns:a16="http://schemas.microsoft.com/office/drawing/2014/main" val="1499575497"/>
+                    <a16:rowId xmlns:a16="http://schemas.microsoft.com/office/drawing/2014/main" val="872766985"/>
                   </a:ext>
                 </a:extLst>
               </a:tr>
-              <a:tr h="352096">
+              <a:tr h="416903">
                 <a:tc>
                   <a:txBody>
                     <a:bodyPr/>
@@ -3743,20 +3710,20 @@
                         <a:defRPr/>
                       </a:pPr>
                       <a:r>
-                        <a:rPr lang="en-US" sz="1800" noProof="1"/>
-                        <a:t>i94yr</a:t>
+                        <a:rPr lang="en-US" sz="2100" noProof="1"/>
+                        <a:t>cicid</a:t>
                       </a:r>
                     </a:p>
                   </a:txBody>
-                  <a:tcPr/>
+                  <a:tcPr marL="104226" marR="104226" marT="52113" marB="52113"/>
                 </a:tc>
                 <a:extLst>
                   <a:ext uri="{0D108BD9-81ED-4DB2-BD59-A6C34878D82A}">
-                    <a16:rowId xmlns:a16="http://schemas.microsoft.com/office/drawing/2014/main" val="272324058"/>
+                    <a16:rowId xmlns:a16="http://schemas.microsoft.com/office/drawing/2014/main" val="1499575497"/>
                   </a:ext>
                 </a:extLst>
               </a:tr>
-              <a:tr h="352096">
+              <a:tr h="416903">
                 <a:tc>
                   <a:txBody>
                     <a:bodyPr/>
@@ -3780,20 +3747,20 @@
                         <a:defRPr/>
                       </a:pPr>
                       <a:r>
-                        <a:rPr lang="en-US" sz="1800" noProof="1"/>
-                        <a:t>i94mon</a:t>
+                        <a:rPr lang="en-US" sz="2100" noProof="1"/>
+                        <a:t>i94yr</a:t>
                       </a:r>
                     </a:p>
                   </a:txBody>
-                  <a:tcPr/>
+                  <a:tcPr marL="104226" marR="104226" marT="52113" marB="52113"/>
                 </a:tc>
                 <a:extLst>
                   <a:ext uri="{0D108BD9-81ED-4DB2-BD59-A6C34878D82A}">
-                    <a16:rowId xmlns:a16="http://schemas.microsoft.com/office/drawing/2014/main" val="2585117394"/>
+                    <a16:rowId xmlns:a16="http://schemas.microsoft.com/office/drawing/2014/main" val="272324058"/>
                   </a:ext>
                 </a:extLst>
               </a:tr>
-              <a:tr h="352096">
+              <a:tr h="416903">
                 <a:tc>
                   <a:txBody>
                     <a:bodyPr/>
@@ -3817,12 +3784,53 @@
                         <a:defRPr/>
                       </a:pPr>
                       <a:r>
-                        <a:rPr lang="en-US" sz="1800" noProof="1"/>
+                        <a:rPr lang="en-US" sz="2100" noProof="1"/>
+                        <a:t>i94mon</a:t>
+                      </a:r>
+                    </a:p>
+                  </a:txBody>
+                  <a:tcPr marL="104226" marR="104226" marT="52113" marB="52113"/>
+                </a:tc>
+                <a:extLst>
+                  <a:ext uri="{0D108BD9-81ED-4DB2-BD59-A6C34878D82A}">
+                    <a16:rowId xmlns:a16="http://schemas.microsoft.com/office/drawing/2014/main" val="2585117394"/>
+                  </a:ext>
+                </a:extLst>
+              </a:tr>
+              <a:tr h="416903">
+                <a:tc>
+                  <a:txBody>
+                    <a:bodyPr/>
+                    <a:lstStyle/>
+                    <a:p>
+                      <a:pPr marL="0" marR="0" lvl="0" indent="0" algn="l" defTabSz="1394460" rtl="0" eaLnBrk="1" fontAlgn="auto" latinLnBrk="0" hangingPunct="1">
+                        <a:lnSpc>
+                          <a:spcPct val="100000"/>
+                        </a:lnSpc>
+                        <a:spcBef>
+                          <a:spcPts val="0"/>
+                        </a:spcBef>
+                        <a:spcAft>
+                          <a:spcPts val="0"/>
+                        </a:spcAft>
+                        <a:buClrTx/>
+                        <a:buSzTx/>
+                        <a:buFontTx/>
+                        <a:buNone/>
+                        <a:tabLst/>
+                        <a:defRPr/>
+                      </a:pPr>
+                      <a:r>
+                        <a:rPr lang="en-US" sz="2100" noProof="1">
+                          <a:solidFill>
+                            <a:srgbClr val="FF0000"/>
+                          </a:solidFill>
+                        </a:rPr>
                         <a:t>i94cit</a:t>
                       </a:r>
                     </a:p>
                   </a:txBody>
-                  <a:tcPr/>
+                  <a:tcPr marL="104226" marR="104226" marT="52113" marB="52113"/>
                 </a:tc>
                 <a:extLst>
                   <a:ext uri="{0D108BD9-81ED-4DB2-BD59-A6C34878D82A}">
@@ -3830,19 +3838,19 @@
                   </a:ext>
                 </a:extLst>
               </a:tr>
-              <a:tr h="352096">
+              <a:tr h="416903">
                 <a:tc>
                   <a:txBody>
                     <a:bodyPr/>
                     <a:lstStyle/>
                     <a:p>
                       <a:r>
-                        <a:rPr lang="en-US" sz="1800" noProof="1"/>
+                        <a:rPr lang="en-US" sz="2100" noProof="1"/>
                         <a:t>i94res</a:t>
                       </a:r>
                     </a:p>
                   </a:txBody>
-                  <a:tcPr/>
+                  <a:tcPr marL="104226" marR="104226" marT="52113" marB="52113"/>
                 </a:tc>
                 <a:extLst>
                   <a:ext uri="{0D108BD9-81ED-4DB2-BD59-A6C34878D82A}">
@@ -3850,19 +3858,19 @@
                   </a:ext>
                 </a:extLst>
               </a:tr>
-              <a:tr h="352096">
+              <a:tr h="416903">
                 <a:tc>
                   <a:txBody>
                     <a:bodyPr/>
                     <a:lstStyle/>
                     <a:p>
                       <a:r>
-                        <a:rPr lang="en-US" sz="1800" noProof="1"/>
+                        <a:rPr lang="en-US" sz="2100" noProof="1"/>
                         <a:t>i94port</a:t>
                       </a:r>
                     </a:p>
                   </a:txBody>
-                  <a:tcPr/>
+                  <a:tcPr marL="104226" marR="104226" marT="52113" marB="52113"/>
                 </a:tc>
                 <a:extLst>
                   <a:ext uri="{0D108BD9-81ED-4DB2-BD59-A6C34878D82A}">
@@ -3870,19 +3878,19 @@
                   </a:ext>
                 </a:extLst>
               </a:tr>
-              <a:tr h="352096">
+              <a:tr h="416903">
                 <a:tc>
                   <a:txBody>
                     <a:bodyPr/>
                     <a:lstStyle/>
                     <a:p>
                       <a:r>
-                        <a:rPr lang="en-US" sz="1800" noProof="1"/>
+                        <a:rPr lang="en-US" sz="2100" noProof="1"/>
                         <a:t>arrdate</a:t>
                       </a:r>
                     </a:p>
                   </a:txBody>
-                  <a:tcPr/>
+                  <a:tcPr marL="104226" marR="104226" marT="52113" marB="52113"/>
                 </a:tc>
                 <a:extLst>
                   <a:ext uri="{0D108BD9-81ED-4DB2-BD59-A6C34878D82A}">
@@ -3890,19 +3898,19 @@
                   </a:ext>
                 </a:extLst>
               </a:tr>
-              <a:tr h="352096">
+              <a:tr h="416903">
                 <a:tc>
                   <a:txBody>
                     <a:bodyPr/>
                     <a:lstStyle/>
                     <a:p>
                       <a:r>
-                        <a:rPr lang="en-US" sz="1800" noProof="1"/>
+                        <a:rPr lang="en-US" sz="2100" noProof="1"/>
                         <a:t>i94mode</a:t>
                       </a:r>
                     </a:p>
                   </a:txBody>
-                  <a:tcPr/>
+                  <a:tcPr marL="104226" marR="104226" marT="52113" marB="52113"/>
                 </a:tc>
                 <a:extLst>
                   <a:ext uri="{0D108BD9-81ED-4DB2-BD59-A6C34878D82A}">
@@ -3910,19 +3918,19 @@
                   </a:ext>
                 </a:extLst>
               </a:tr>
-              <a:tr h="352096">
+              <a:tr h="416903">
                 <a:tc>
                   <a:txBody>
                     <a:bodyPr/>
                     <a:lstStyle/>
                     <a:p>
                       <a:r>
-                        <a:rPr lang="en-US" sz="1800" noProof="1"/>
+                        <a:rPr lang="en-US" sz="2100" noProof="1"/>
                         <a:t>i94addr</a:t>
                       </a:r>
                     </a:p>
                   </a:txBody>
-                  <a:tcPr/>
+                  <a:tcPr marL="104226" marR="104226" marT="52113" marB="52113"/>
                 </a:tc>
                 <a:extLst>
                   <a:ext uri="{0D108BD9-81ED-4DB2-BD59-A6C34878D82A}">
@@ -3930,19 +3938,19 @@
                   </a:ext>
                 </a:extLst>
               </a:tr>
-              <a:tr h="352096">
+              <a:tr h="416903">
                 <a:tc>
                   <a:txBody>
                     <a:bodyPr/>
                     <a:lstStyle/>
                     <a:p>
                       <a:r>
-                        <a:rPr lang="en-US" sz="1800" noProof="1"/>
+                        <a:rPr lang="en-US" sz="2100" noProof="1"/>
                         <a:t>depdate</a:t>
                       </a:r>
                     </a:p>
                   </a:txBody>
-                  <a:tcPr/>
+                  <a:tcPr marL="104226" marR="104226" marT="52113" marB="52113"/>
                 </a:tc>
                 <a:extLst>
                   <a:ext uri="{0D108BD9-81ED-4DB2-BD59-A6C34878D82A}">
@@ -3950,19 +3958,19 @@
                   </a:ext>
                 </a:extLst>
               </a:tr>
-              <a:tr h="352096">
+              <a:tr h="416903">
                 <a:tc>
                   <a:txBody>
                     <a:bodyPr/>
                     <a:lstStyle/>
                     <a:p>
                       <a:r>
-                        <a:rPr lang="en-US" sz="1800" noProof="1"/>
+                        <a:rPr lang="en-US" sz="2100" noProof="1"/>
                         <a:t>i94bir</a:t>
                       </a:r>
                     </a:p>
                   </a:txBody>
-                  <a:tcPr/>
+                  <a:tcPr marL="104226" marR="104226" marT="52113" marB="52113"/>
                 </a:tc>
                 <a:extLst>
                   <a:ext uri="{0D108BD9-81ED-4DB2-BD59-A6C34878D82A}">
@@ -3970,19 +3978,19 @@
                   </a:ext>
                 </a:extLst>
               </a:tr>
-              <a:tr h="352096">
+              <a:tr h="416903">
                 <a:tc>
                   <a:txBody>
                     <a:bodyPr/>
                     <a:lstStyle/>
                     <a:p>
                       <a:r>
-                        <a:rPr lang="en-US" sz="1800" noProof="1"/>
+                        <a:rPr lang="en-US" sz="2100" noProof="1"/>
                         <a:t>i94visa</a:t>
                       </a:r>
                     </a:p>
                   </a:txBody>
-                  <a:tcPr/>
+                  <a:tcPr marL="104226" marR="104226" marT="52113" marB="52113"/>
                 </a:tc>
                 <a:extLst>
                   <a:ext uri="{0D108BD9-81ED-4DB2-BD59-A6C34878D82A}">
@@ -3990,19 +3998,19 @@
                   </a:ext>
                 </a:extLst>
               </a:tr>
-              <a:tr h="352096">
+              <a:tr h="416903">
                 <a:tc>
                   <a:txBody>
                     <a:bodyPr/>
                     <a:lstStyle/>
                     <a:p>
                       <a:r>
-                        <a:rPr lang="en-US" sz="1800" noProof="1"/>
+                        <a:rPr lang="en-US" sz="2100" noProof="1"/>
                         <a:t>dtadfile</a:t>
                       </a:r>
                     </a:p>
                   </a:txBody>
-                  <a:tcPr/>
+                  <a:tcPr marL="104226" marR="104226" marT="52113" marB="52113"/>
                 </a:tc>
                 <a:extLst>
                   <a:ext uri="{0D108BD9-81ED-4DB2-BD59-A6C34878D82A}">
@@ -4010,19 +4018,19 @@
                   </a:ext>
                 </a:extLst>
               </a:tr>
-              <a:tr h="352096">
+              <a:tr h="416903">
                 <a:tc>
                   <a:txBody>
                     <a:bodyPr/>
                     <a:lstStyle/>
                     <a:p>
                       <a:r>
-                        <a:rPr lang="en-US" sz="1800" noProof="1"/>
+                        <a:rPr lang="en-US" sz="2100" noProof="1"/>
                         <a:t>matflag</a:t>
                       </a:r>
                     </a:p>
                   </a:txBody>
-                  <a:tcPr/>
+                  <a:tcPr marL="104226" marR="104226" marT="52113" marB="52113"/>
                 </a:tc>
                 <a:extLst>
                   <a:ext uri="{0D108BD9-81ED-4DB2-BD59-A6C34878D82A}">
@@ -4030,19 +4038,19 @@
                   </a:ext>
                 </a:extLst>
               </a:tr>
-              <a:tr h="352096">
+              <a:tr h="416903">
                 <a:tc>
                   <a:txBody>
                     <a:bodyPr/>
                     <a:lstStyle/>
                     <a:p>
                       <a:r>
-                        <a:rPr lang="en-US" sz="1800" noProof="1"/>
+                        <a:rPr lang="en-US" sz="2100" noProof="1"/>
                         <a:t>biryear</a:t>
                       </a:r>
                     </a:p>
                   </a:txBody>
-                  <a:tcPr/>
+                  <a:tcPr marL="104226" marR="104226" marT="52113" marB="52113"/>
                 </a:tc>
                 <a:extLst>
                   <a:ext uri="{0D108BD9-81ED-4DB2-BD59-A6C34878D82A}">
@@ -4050,19 +4058,19 @@
                   </a:ext>
                 </a:extLst>
               </a:tr>
-              <a:tr h="352096">
+              <a:tr h="416903">
                 <a:tc>
                   <a:txBody>
                     <a:bodyPr/>
                     <a:lstStyle/>
                     <a:p>
                       <a:r>
-                        <a:rPr lang="en-US" sz="1800" noProof="1"/>
+                        <a:rPr lang="en-US" sz="2100" noProof="1"/>
                         <a:t>dtaddto</a:t>
                       </a:r>
                     </a:p>
                   </a:txBody>
-                  <a:tcPr/>
+                  <a:tcPr marL="104226" marR="104226" marT="52113" marB="52113"/>
                 </a:tc>
                 <a:extLst>
                   <a:ext uri="{0D108BD9-81ED-4DB2-BD59-A6C34878D82A}">
@@ -4070,19 +4078,19 @@
                   </a:ext>
                 </a:extLst>
               </a:tr>
-              <a:tr h="352096">
+              <a:tr h="416903">
                 <a:tc>
                   <a:txBody>
                     <a:bodyPr/>
                     <a:lstStyle/>
                     <a:p>
                       <a:r>
-                        <a:rPr lang="en-US" sz="1800" noProof="1"/>
+                        <a:rPr lang="en-US" sz="2100" noProof="1"/>
                         <a:t>gender</a:t>
                       </a:r>
                     </a:p>
                   </a:txBody>
-                  <a:tcPr/>
+                  <a:tcPr marL="104226" marR="104226" marT="52113" marB="52113"/>
                 </a:tc>
                 <a:extLst>
                   <a:ext uri="{0D108BD9-81ED-4DB2-BD59-A6C34878D82A}">
@@ -4090,19 +4098,19 @@
                   </a:ext>
                 </a:extLst>
               </a:tr>
-              <a:tr h="352096">
+              <a:tr h="416903">
                 <a:tc>
                   <a:txBody>
                     <a:bodyPr/>
                     <a:lstStyle/>
                     <a:p>
                       <a:r>
-                        <a:rPr lang="en-US" sz="1800" noProof="1"/>
+                        <a:rPr lang="en-US" sz="2100" noProof="1"/>
                         <a:t>airline</a:t>
                       </a:r>
                     </a:p>
                   </a:txBody>
-                  <a:tcPr/>
+                  <a:tcPr marL="104226" marR="104226" marT="52113" marB="52113"/>
                 </a:tc>
                 <a:extLst>
                   <a:ext uri="{0D108BD9-81ED-4DB2-BD59-A6C34878D82A}">
@@ -4110,19 +4118,19 @@
                   </a:ext>
                 </a:extLst>
               </a:tr>
-              <a:tr h="352096">
+              <a:tr h="416903">
                 <a:tc>
                   <a:txBody>
                     <a:bodyPr/>
                     <a:lstStyle/>
                     <a:p>
                       <a:r>
-                        <a:rPr lang="en-US" sz="1800" noProof="1"/>
+                        <a:rPr lang="en-US" sz="2100" noProof="1"/>
                         <a:t>adnum</a:t>
                       </a:r>
                     </a:p>
                   </a:txBody>
-                  <a:tcPr/>
+                  <a:tcPr marL="104226" marR="104226" marT="52113" marB="52113"/>
                 </a:tc>
                 <a:extLst>
                   <a:ext uri="{0D108BD9-81ED-4DB2-BD59-A6C34878D82A}">
@@ -4130,19 +4138,19 @@
                   </a:ext>
                 </a:extLst>
               </a:tr>
-              <a:tr h="352096">
+              <a:tr h="416903">
                 <a:tc>
                   <a:txBody>
                     <a:bodyPr/>
                     <a:lstStyle/>
                     <a:p>
                       <a:r>
-                        <a:rPr lang="en-US" sz="1800" noProof="1"/>
+                        <a:rPr lang="en-US" sz="2100" noProof="1"/>
                         <a:t>fltno</a:t>
                       </a:r>
                     </a:p>
                   </a:txBody>
-                  <a:tcPr/>
+                  <a:tcPr marL="104226" marR="104226" marT="52113" marB="52113"/>
                 </a:tc>
                 <a:extLst>
                   <a:ext uri="{0D108BD9-81ED-4DB2-BD59-A6C34878D82A}">
@@ -4150,19 +4158,19 @@
                   </a:ext>
                 </a:extLst>
               </a:tr>
-              <a:tr h="352096">
+              <a:tr h="416903">
                 <a:tc>
                   <a:txBody>
                     <a:bodyPr/>
                     <a:lstStyle/>
                     <a:p>
                       <a:r>
-                        <a:rPr lang="en-US" sz="1800" noProof="1"/>
+                        <a:rPr lang="en-US" sz="2100" noProof="1"/>
                         <a:t>visatype</a:t>
                       </a:r>
                     </a:p>
                   </a:txBody>
-                  <a:tcPr/>
+                  <a:tcPr marL="104226" marR="104226" marT="52113" marB="52113"/>
                 </a:tc>
                 <a:extLst>
                   <a:ext uri="{0D108BD9-81ED-4DB2-BD59-A6C34878D82A}">
@@ -4189,14 +4197,14 @@
           <p:nvPr>
             <p:extLst>
               <p:ext uri="{D42A27DB-BD31-4B8C-83A1-F6EECF244321}">
-                <p14:modId xmlns:p14="http://schemas.microsoft.com/office/powerpoint/2010/main" val="2087349685"/>
+                <p14:modId xmlns:p14="http://schemas.microsoft.com/office/powerpoint/2010/main" val="2488081966"/>
               </p:ext>
             </p:extLst>
           </p:nvPr>
         </p:nvGraphicFramePr>
         <p:xfrm>
-          <a:off x="4855355" y="414855"/>
-          <a:ext cx="2669546" cy="4754880"/>
+          <a:off x="4246770" y="848985"/>
+          <a:ext cx="3042821" cy="5939724"/>
         </p:xfrm>
         <a:graphic>
           <a:graphicData uri="http://schemas.openxmlformats.org/drawingml/2006/table">
@@ -4205,7 +4213,7 @@
                 <a:tableStyleId>{5C22544A-7EE6-4342-B048-85BDC9FD1C3A}</a:tableStyleId>
               </a:tblPr>
               <a:tblGrid>
-                <a:gridCol w="2669546">
+                <a:gridCol w="3042821">
                   <a:extLst>
                     <a:ext uri="{9D8B030D-6E8A-4147-A177-3AD203B41FA5}">
                       <a16:colId xmlns:a16="http://schemas.microsoft.com/office/drawing/2014/main" val="725001771"/>
@@ -4213,7 +4221,7 @@
                   </a:extLst>
                 </a:gridCol>
               </a:tblGrid>
-              <a:tr h="352096">
+              <a:tr h="416903">
                 <a:tc>
                   <a:txBody>
                     <a:bodyPr/>
@@ -4221,12 +4229,12 @@
                     <a:p>
                       <a:pPr algn="ctr"/>
                       <a:r>
-                        <a:rPr lang="en-US" sz="1800" noProof="1"/>
+                        <a:rPr lang="en-US" sz="2100" noProof="1"/>
                         <a:t>demographics</a:t>
                       </a:r>
                     </a:p>
                   </a:txBody>
-                  <a:tcPr/>
+                  <a:tcPr marL="104226" marR="104226" marT="52113" marB="52113"/>
                 </a:tc>
                 <a:extLst>
                   <a:ext uri="{0D108BD9-81ED-4DB2-BD59-A6C34878D82A}">
@@ -4234,7 +4242,7 @@
                   </a:ext>
                 </a:extLst>
               </a:tr>
-              <a:tr h="352096">
+              <a:tr h="416903">
                 <a:tc>
                   <a:txBody>
                     <a:bodyPr/>
@@ -4258,20 +4266,24 @@
                         <a:defRPr/>
                       </a:pPr>
                       <a:r>
-                        <a:rPr lang="en-US" sz="1800" noProof="1"/>
-                        <a:t>city</a:t>
+                        <a:rPr lang="en-US" sz="2100" noProof="1">
+                          <a:solidFill>
+                            <a:schemeClr val="tx1"/>
+                          </a:solidFill>
+                        </a:rPr>
+                        <a:t>dem_idx</a:t>
                       </a:r>
                     </a:p>
                   </a:txBody>
-                  <a:tcPr/>
+                  <a:tcPr marL="104226" marR="104226" marT="52113" marB="52113"/>
                 </a:tc>
                 <a:extLst>
                   <a:ext uri="{0D108BD9-81ED-4DB2-BD59-A6C34878D82A}">
-                    <a16:rowId xmlns:a16="http://schemas.microsoft.com/office/drawing/2014/main" val="1499575497"/>
+                    <a16:rowId xmlns:a16="http://schemas.microsoft.com/office/drawing/2014/main" val="586656985"/>
                   </a:ext>
                 </a:extLst>
               </a:tr>
-              <a:tr h="352096">
+              <a:tr h="416903">
                 <a:tc>
                   <a:txBody>
                     <a:bodyPr/>
@@ -4295,20 +4307,24 @@
                         <a:defRPr/>
                       </a:pPr>
                       <a:r>
-                        <a:rPr lang="en-US" sz="1800" noProof="1"/>
-                        <a:t>state</a:t>
+                        <a:rPr lang="en-US" sz="2100" noProof="1">
+                          <a:solidFill>
+                            <a:srgbClr val="FF0000"/>
+                          </a:solidFill>
+                        </a:rPr>
+                        <a:t>city</a:t>
                       </a:r>
                     </a:p>
                   </a:txBody>
-                  <a:tcPr/>
+                  <a:tcPr marL="104226" marR="104226" marT="52113" marB="52113"/>
                 </a:tc>
                 <a:extLst>
                   <a:ext uri="{0D108BD9-81ED-4DB2-BD59-A6C34878D82A}">
-                    <a16:rowId xmlns:a16="http://schemas.microsoft.com/office/drawing/2014/main" val="272324058"/>
+                    <a16:rowId xmlns:a16="http://schemas.microsoft.com/office/drawing/2014/main" val="1499575497"/>
                   </a:ext>
                 </a:extLst>
               </a:tr>
-              <a:tr h="352096">
+              <a:tr h="416903">
                 <a:tc>
                   <a:txBody>
                     <a:bodyPr/>
@@ -4332,20 +4348,20 @@
                         <a:defRPr/>
                       </a:pPr>
                       <a:r>
-                        <a:rPr lang="en-US" sz="1800" noProof="1"/>
-                        <a:t>median_age</a:t>
+                        <a:rPr lang="en-US" sz="2100" noProof="1"/>
+                        <a:t>state</a:t>
                       </a:r>
                     </a:p>
                   </a:txBody>
-                  <a:tcPr/>
+                  <a:tcPr marL="104226" marR="104226" marT="52113" marB="52113"/>
                 </a:tc>
                 <a:extLst>
                   <a:ext uri="{0D108BD9-81ED-4DB2-BD59-A6C34878D82A}">
-                    <a16:rowId xmlns:a16="http://schemas.microsoft.com/office/drawing/2014/main" val="2585117394"/>
+                    <a16:rowId xmlns:a16="http://schemas.microsoft.com/office/drawing/2014/main" val="272324058"/>
                   </a:ext>
                 </a:extLst>
               </a:tr>
-              <a:tr h="352096">
+              <a:tr h="416903">
                 <a:tc>
                   <a:txBody>
                     <a:bodyPr/>
@@ -4369,12 +4385,49 @@
                         <a:defRPr/>
                       </a:pPr>
                       <a:r>
-                        <a:rPr lang="en-US" sz="1800" noProof="1"/>
+                        <a:rPr lang="en-US" sz="2100" noProof="1"/>
+                        <a:t>median_age</a:t>
+                      </a:r>
+                    </a:p>
+                  </a:txBody>
+                  <a:tcPr marL="104226" marR="104226" marT="52113" marB="52113"/>
+                </a:tc>
+                <a:extLst>
+                  <a:ext uri="{0D108BD9-81ED-4DB2-BD59-A6C34878D82A}">
+                    <a16:rowId xmlns:a16="http://schemas.microsoft.com/office/drawing/2014/main" val="2585117394"/>
+                  </a:ext>
+                </a:extLst>
+              </a:tr>
+              <a:tr h="416903">
+                <a:tc>
+                  <a:txBody>
+                    <a:bodyPr/>
+                    <a:lstStyle/>
+                    <a:p>
+                      <a:pPr marL="0" marR="0" lvl="0" indent="0" algn="l" defTabSz="1394460" rtl="0" eaLnBrk="1" fontAlgn="auto" latinLnBrk="0" hangingPunct="1">
+                        <a:lnSpc>
+                          <a:spcPct val="100000"/>
+                        </a:lnSpc>
+                        <a:spcBef>
+                          <a:spcPts val="0"/>
+                        </a:spcBef>
+                        <a:spcAft>
+                          <a:spcPts val="0"/>
+                        </a:spcAft>
+                        <a:buClrTx/>
+                        <a:buSzTx/>
+                        <a:buFontTx/>
+                        <a:buNone/>
+                        <a:tabLst/>
+                        <a:defRPr/>
+                      </a:pPr>
+                      <a:r>
+                        <a:rPr lang="en-US" sz="2100" noProof="1"/>
                         <a:t>male_population</a:t>
                       </a:r>
                     </a:p>
                   </a:txBody>
-                  <a:tcPr/>
+                  <a:tcPr marL="104226" marR="104226" marT="52113" marB="52113"/>
                 </a:tc>
                 <a:extLst>
                   <a:ext uri="{0D108BD9-81ED-4DB2-BD59-A6C34878D82A}">
@@ -4382,19 +4435,19 @@
                   </a:ext>
                 </a:extLst>
               </a:tr>
-              <a:tr h="352096">
+              <a:tr h="416903">
                 <a:tc>
                   <a:txBody>
                     <a:bodyPr/>
                     <a:lstStyle/>
                     <a:p>
                       <a:r>
-                        <a:rPr lang="en-US" sz="1800" noProof="1"/>
+                        <a:rPr lang="en-US" sz="2100" noProof="1"/>
                         <a:t>female_population</a:t>
                       </a:r>
                     </a:p>
                   </a:txBody>
-                  <a:tcPr/>
+                  <a:tcPr marL="104226" marR="104226" marT="52113" marB="52113"/>
                 </a:tc>
                 <a:extLst>
                   <a:ext uri="{0D108BD9-81ED-4DB2-BD59-A6C34878D82A}">
@@ -4402,19 +4455,19 @@
                   </a:ext>
                 </a:extLst>
               </a:tr>
-              <a:tr h="352096">
+              <a:tr h="416903">
                 <a:tc>
                   <a:txBody>
                     <a:bodyPr/>
                     <a:lstStyle/>
                     <a:p>
                       <a:r>
-                        <a:rPr lang="en-US" sz="1800" noProof="1"/>
+                        <a:rPr lang="en-US" sz="2100" noProof="1"/>
                         <a:t>total_population</a:t>
                       </a:r>
                     </a:p>
                   </a:txBody>
-                  <a:tcPr/>
+                  <a:tcPr marL="104226" marR="104226" marT="52113" marB="52113"/>
                 </a:tc>
                 <a:extLst>
                   <a:ext uri="{0D108BD9-81ED-4DB2-BD59-A6C34878D82A}">
@@ -4422,19 +4475,19 @@
                   </a:ext>
                 </a:extLst>
               </a:tr>
-              <a:tr h="352096">
+              <a:tr h="416903">
                 <a:tc>
                   <a:txBody>
                     <a:bodyPr/>
                     <a:lstStyle/>
                     <a:p>
                       <a:r>
-                        <a:rPr lang="en-US" sz="1800" noProof="1"/>
+                        <a:rPr lang="en-US" sz="2100" noProof="1"/>
                         <a:t>number_of_veterans</a:t>
                       </a:r>
                     </a:p>
                   </a:txBody>
-                  <a:tcPr/>
+                  <a:tcPr marL="104226" marR="104226" marT="52113" marB="52113"/>
                 </a:tc>
                 <a:extLst>
                   <a:ext uri="{0D108BD9-81ED-4DB2-BD59-A6C34878D82A}">
@@ -4442,19 +4495,19 @@
                   </a:ext>
                 </a:extLst>
               </a:tr>
-              <a:tr h="352096">
+              <a:tr h="416903">
                 <a:tc>
                   <a:txBody>
                     <a:bodyPr/>
                     <a:lstStyle/>
                     <a:p>
                       <a:r>
-                        <a:rPr lang="en-US" sz="1800" noProof="1"/>
+                        <a:rPr lang="en-US" sz="2100" noProof="1"/>
                         <a:t>foreign_born</a:t>
                       </a:r>
                     </a:p>
                   </a:txBody>
-                  <a:tcPr/>
+                  <a:tcPr marL="104226" marR="104226" marT="52113" marB="52113"/>
                 </a:tc>
                 <a:extLst>
                   <a:ext uri="{0D108BD9-81ED-4DB2-BD59-A6C34878D82A}">
@@ -4462,19 +4515,19 @@
                   </a:ext>
                 </a:extLst>
               </a:tr>
-              <a:tr h="352096">
+              <a:tr h="416903">
                 <a:tc>
                   <a:txBody>
                     <a:bodyPr/>
                     <a:lstStyle/>
                     <a:p>
                       <a:r>
-                        <a:rPr lang="en-US" sz="1800" noProof="1"/>
+                        <a:rPr lang="en-US" sz="2100" noProof="1"/>
                         <a:t>average_household_size</a:t>
                       </a:r>
                     </a:p>
                   </a:txBody>
-                  <a:tcPr/>
+                  <a:tcPr marL="104226" marR="104226" marT="52113" marB="52113"/>
                 </a:tc>
                 <a:extLst>
                   <a:ext uri="{0D108BD9-81ED-4DB2-BD59-A6C34878D82A}">
@@ -4482,19 +4535,19 @@
                   </a:ext>
                 </a:extLst>
               </a:tr>
-              <a:tr h="352096">
+              <a:tr h="416903">
                 <a:tc>
                   <a:txBody>
                     <a:bodyPr/>
                     <a:lstStyle/>
                     <a:p>
                       <a:r>
-                        <a:rPr lang="en-US" sz="1800" noProof="1"/>
+                        <a:rPr lang="en-US" sz="2100" noProof="1"/>
                         <a:t>state_code</a:t>
                       </a:r>
                     </a:p>
                   </a:txBody>
-                  <a:tcPr/>
+                  <a:tcPr marL="104226" marR="104226" marT="52113" marB="52113"/>
                 </a:tc>
                 <a:extLst>
                   <a:ext uri="{0D108BD9-81ED-4DB2-BD59-A6C34878D82A}">
@@ -4502,19 +4555,19 @@
                   </a:ext>
                 </a:extLst>
               </a:tr>
-              <a:tr h="352096">
+              <a:tr h="416903">
                 <a:tc>
                   <a:txBody>
                     <a:bodyPr/>
                     <a:lstStyle/>
                     <a:p>
                       <a:r>
-                        <a:rPr lang="en-US" sz="1800" noProof="1"/>
+                        <a:rPr lang="en-US" sz="2100" noProof="1"/>
                         <a:t>race</a:t>
                       </a:r>
                     </a:p>
                   </a:txBody>
-                  <a:tcPr/>
+                  <a:tcPr marL="104226" marR="104226" marT="52113" marB="52113"/>
                 </a:tc>
                 <a:extLst>
                   <a:ext uri="{0D108BD9-81ED-4DB2-BD59-A6C34878D82A}">
@@ -4522,19 +4575,19 @@
                   </a:ext>
                 </a:extLst>
               </a:tr>
-              <a:tr h="247847">
+              <a:tr h="416903">
                 <a:tc>
                   <a:txBody>
                     <a:bodyPr/>
                     <a:lstStyle/>
                     <a:p>
                       <a:r>
-                        <a:rPr lang="en-US" sz="1800" noProof="1"/>
+                        <a:rPr lang="en-US" sz="2100" noProof="1"/>
                         <a:t>count</a:t>
                       </a:r>
                     </a:p>
                   </a:txBody>
-                  <a:tcPr/>
+                  <a:tcPr marL="104226" marR="104226" marT="52113" marB="52113"/>
                 </a:tc>
                 <a:extLst>
                   <a:ext uri="{0D108BD9-81ED-4DB2-BD59-A6C34878D82A}">
@@ -4561,14 +4614,14 @@
           <p:nvPr>
             <p:extLst>
               <p:ext uri="{D42A27DB-BD31-4B8C-83A1-F6EECF244321}">
-                <p14:modId xmlns:p14="http://schemas.microsoft.com/office/powerpoint/2010/main" val="3928192332"/>
+                <p14:modId xmlns:p14="http://schemas.microsoft.com/office/powerpoint/2010/main" val="1359000548"/>
               </p:ext>
             </p:extLst>
           </p:nvPr>
         </p:nvGraphicFramePr>
         <p:xfrm>
-          <a:off x="9122555" y="4369572"/>
-          <a:ext cx="2669546" cy="4754880"/>
+          <a:off x="11085434" y="848985"/>
+          <a:ext cx="3042821" cy="4242660"/>
         </p:xfrm>
         <a:graphic>
           <a:graphicData uri="http://schemas.openxmlformats.org/drawingml/2006/table">
@@ -4577,7 +4630,7 @@
                 <a:tableStyleId>{5C22544A-7EE6-4342-B048-85BDC9FD1C3A}</a:tableStyleId>
               </a:tblPr>
               <a:tblGrid>
-                <a:gridCol w="2669546">
+                <a:gridCol w="3042821">
                   <a:extLst>
                     <a:ext uri="{9D8B030D-6E8A-4147-A177-3AD203B41FA5}">
                       <a16:colId xmlns:a16="http://schemas.microsoft.com/office/drawing/2014/main" val="725001771"/>
@@ -4585,7 +4638,7 @@
                   </a:extLst>
                 </a:gridCol>
               </a:tblGrid>
-              <a:tr h="352096">
+              <a:tr h="416903">
                 <a:tc>
                   <a:txBody>
                     <a:bodyPr/>
@@ -4593,12 +4646,12 @@
                     <a:p>
                       <a:pPr algn="ctr"/>
                       <a:r>
-                        <a:rPr lang="en-US" sz="1800" noProof="1"/>
+                        <a:rPr lang="en-US" sz="2100" noProof="1"/>
                         <a:t>airports</a:t>
                       </a:r>
                     </a:p>
                   </a:txBody>
-                  <a:tcPr/>
+                  <a:tcPr marL="104226" marR="104226" marT="52113" marB="52113"/>
                 </a:tc>
                 <a:extLst>
                   <a:ext uri="{0D108BD9-81ED-4DB2-BD59-A6C34878D82A}">
@@ -4606,7 +4659,7 @@
                   </a:ext>
                 </a:extLst>
               </a:tr>
-              <a:tr h="352096">
+              <a:tr h="416903">
                 <a:tc>
                   <a:txBody>
                     <a:bodyPr/>
@@ -4630,20 +4683,20 @@
                         <a:defRPr/>
                       </a:pPr>
                       <a:r>
-                        <a:rPr lang="en-US" sz="1800" noProof="1"/>
-                        <a:t>ident</a:t>
+                        <a:rPr lang="en-US" sz="2100" noProof="1"/>
+                        <a:t>air_idx</a:t>
                       </a:r>
                     </a:p>
                   </a:txBody>
-                  <a:tcPr/>
+                  <a:tcPr marL="104226" marR="104226" marT="52113" marB="52113"/>
                 </a:tc>
                 <a:extLst>
                   <a:ext uri="{0D108BD9-81ED-4DB2-BD59-A6C34878D82A}">
-                    <a16:rowId xmlns:a16="http://schemas.microsoft.com/office/drawing/2014/main" val="1499575497"/>
+                    <a16:rowId xmlns:a16="http://schemas.microsoft.com/office/drawing/2014/main" val="3090355783"/>
                   </a:ext>
                 </a:extLst>
               </a:tr>
-              <a:tr h="352096">
+              <a:tr h="416903">
                 <a:tc>
                   <a:txBody>
                     <a:bodyPr/>
@@ -4667,20 +4720,20 @@
                         <a:defRPr/>
                       </a:pPr>
                       <a:r>
-                        <a:rPr lang="en-US" sz="1800" noProof="1"/>
-                        <a:t>type</a:t>
+                        <a:rPr lang="en-US" sz="2100" noProof="1"/>
+                        <a:t>ident</a:t>
                       </a:r>
                     </a:p>
                   </a:txBody>
-                  <a:tcPr/>
+                  <a:tcPr marL="104226" marR="104226" marT="52113" marB="52113"/>
                 </a:tc>
                 <a:extLst>
                   <a:ext uri="{0D108BD9-81ED-4DB2-BD59-A6C34878D82A}">
-                    <a16:rowId xmlns:a16="http://schemas.microsoft.com/office/drawing/2014/main" val="272324058"/>
+                    <a16:rowId xmlns:a16="http://schemas.microsoft.com/office/drawing/2014/main" val="1499575497"/>
                   </a:ext>
                 </a:extLst>
               </a:tr>
-              <a:tr h="352096">
+              <a:tr h="416903">
                 <a:tc>
                   <a:txBody>
                     <a:bodyPr/>
@@ -4704,20 +4757,20 @@
                         <a:defRPr/>
                       </a:pPr>
                       <a:r>
-                        <a:rPr lang="en-US" sz="1800" noProof="1"/>
-                        <a:t>name</a:t>
+                        <a:rPr lang="en-US" sz="2100" noProof="1"/>
+                        <a:t>type</a:t>
                       </a:r>
                     </a:p>
                   </a:txBody>
-                  <a:tcPr/>
+                  <a:tcPr marL="104226" marR="104226" marT="52113" marB="52113"/>
                 </a:tc>
                 <a:extLst>
                   <a:ext uri="{0D108BD9-81ED-4DB2-BD59-A6C34878D82A}">
-                    <a16:rowId xmlns:a16="http://schemas.microsoft.com/office/drawing/2014/main" val="2585117394"/>
+                    <a16:rowId xmlns:a16="http://schemas.microsoft.com/office/drawing/2014/main" val="272324058"/>
                   </a:ext>
                 </a:extLst>
               </a:tr>
-              <a:tr h="352096">
+              <a:tr h="416903">
                 <a:tc>
                   <a:txBody>
                     <a:bodyPr/>
@@ -4741,12 +4794,49 @@
                         <a:defRPr/>
                       </a:pPr>
                       <a:r>
-                        <a:rPr lang="en-US" sz="1800" noProof="1"/>
+                        <a:rPr lang="en-US" sz="2100" noProof="1"/>
+                        <a:t>name</a:t>
+                      </a:r>
+                    </a:p>
+                  </a:txBody>
+                  <a:tcPr marL="104226" marR="104226" marT="52113" marB="52113"/>
+                </a:tc>
+                <a:extLst>
+                  <a:ext uri="{0D108BD9-81ED-4DB2-BD59-A6C34878D82A}">
+                    <a16:rowId xmlns:a16="http://schemas.microsoft.com/office/drawing/2014/main" val="2585117394"/>
+                  </a:ext>
+                </a:extLst>
+              </a:tr>
+              <a:tr h="416903">
+                <a:tc>
+                  <a:txBody>
+                    <a:bodyPr/>
+                    <a:lstStyle/>
+                    <a:p>
+                      <a:pPr marL="0" marR="0" lvl="0" indent="0" algn="l" defTabSz="1394460" rtl="0" eaLnBrk="1" fontAlgn="auto" latinLnBrk="0" hangingPunct="1">
+                        <a:lnSpc>
+                          <a:spcPct val="100000"/>
+                        </a:lnSpc>
+                        <a:spcBef>
+                          <a:spcPts val="0"/>
+                        </a:spcBef>
+                        <a:spcAft>
+                          <a:spcPts val="0"/>
+                        </a:spcAft>
+                        <a:buClrTx/>
+                        <a:buSzTx/>
+                        <a:buFontTx/>
+                        <a:buNone/>
+                        <a:tabLst/>
+                        <a:defRPr/>
+                      </a:pPr>
+                      <a:r>
+                        <a:rPr lang="en-US" sz="2100" noProof="1"/>
                         <a:t>elevation_ft</a:t>
                       </a:r>
                     </a:p>
                   </a:txBody>
-                  <a:tcPr/>
+                  <a:tcPr marL="104226" marR="104226" marT="52113" marB="52113"/>
                 </a:tc>
                 <a:extLst>
                   <a:ext uri="{0D108BD9-81ED-4DB2-BD59-A6C34878D82A}">
@@ -4754,19 +4844,19 @@
                   </a:ext>
                 </a:extLst>
               </a:tr>
-              <a:tr h="352096">
+              <a:tr h="416903">
                 <a:tc>
                   <a:txBody>
                     <a:bodyPr/>
                     <a:lstStyle/>
                     <a:p>
                       <a:r>
-                        <a:rPr lang="en-US" sz="1800" noProof="1"/>
+                        <a:rPr lang="en-US" sz="2100" noProof="1"/>
                         <a:t>continent</a:t>
                       </a:r>
                     </a:p>
                   </a:txBody>
-                  <a:tcPr/>
+                  <a:tcPr marL="104226" marR="104226" marT="52113" marB="52113"/>
                 </a:tc>
                 <a:extLst>
                   <a:ext uri="{0D108BD9-81ED-4DB2-BD59-A6C34878D82A}">
@@ -4774,39 +4864,19 @@
                   </a:ext>
                 </a:extLst>
               </a:tr>
-              <a:tr h="352096">
+              <a:tr h="416903">
                 <a:tc>
                   <a:txBody>
                     <a:bodyPr/>
                     <a:lstStyle/>
                     <a:p>
                       <a:r>
-                        <a:rPr lang="en-US" sz="1800" noProof="1"/>
-                        <a:t>iso_country</a:t>
-                      </a:r>
-                    </a:p>
-                  </a:txBody>
-                  <a:tcPr/>
-                </a:tc>
-                <a:extLst>
-                  <a:ext uri="{0D108BD9-81ED-4DB2-BD59-A6C34878D82A}">
-                    <a16:rowId xmlns:a16="http://schemas.microsoft.com/office/drawing/2014/main" val="408621225"/>
-                  </a:ext>
-                </a:extLst>
-              </a:tr>
-              <a:tr h="352096">
-                <a:tc>
-                  <a:txBody>
-                    <a:bodyPr/>
-                    <a:lstStyle/>
-                    <a:p>
-                      <a:r>
-                        <a:rPr lang="en-US" sz="1800" noProof="1"/>
+                        <a:rPr lang="en-US" sz="2100" noProof="1"/>
                         <a:t>iso_region</a:t>
                       </a:r>
                     </a:p>
                   </a:txBody>
-                  <a:tcPr/>
+                  <a:tcPr marL="104226" marR="104226" marT="52113" marB="52113"/>
                 </a:tc>
                 <a:extLst>
                   <a:ext uri="{0D108BD9-81ED-4DB2-BD59-A6C34878D82A}">
@@ -4814,19 +4884,19 @@
                   </a:ext>
                 </a:extLst>
               </a:tr>
-              <a:tr h="352096">
+              <a:tr h="416903">
                 <a:tc>
                   <a:txBody>
                     <a:bodyPr/>
                     <a:lstStyle/>
                     <a:p>
                       <a:r>
-                        <a:rPr lang="en-US" sz="1800" noProof="1"/>
+                        <a:rPr lang="en-US" sz="2100" noProof="1"/>
                         <a:t>municipality</a:t>
                       </a:r>
                     </a:p>
                   </a:txBody>
-                  <a:tcPr/>
+                  <a:tcPr marL="104226" marR="104226" marT="52113" marB="52113"/>
                 </a:tc>
                 <a:extLst>
                   <a:ext uri="{0D108BD9-81ED-4DB2-BD59-A6C34878D82A}">
@@ -4834,79 +4904,19 @@
                   </a:ext>
                 </a:extLst>
               </a:tr>
-              <a:tr h="352096">
+              <a:tr h="416903">
                 <a:tc>
                   <a:txBody>
                     <a:bodyPr/>
                     <a:lstStyle/>
                     <a:p>
                       <a:r>
-                        <a:rPr lang="en-US" sz="1800" noProof="1"/>
-                        <a:t>gps_code</a:t>
-                      </a:r>
-                    </a:p>
-                  </a:txBody>
-                  <a:tcPr/>
-                </a:tc>
-                <a:extLst>
-                  <a:ext uri="{0D108BD9-81ED-4DB2-BD59-A6C34878D82A}">
-                    <a16:rowId xmlns:a16="http://schemas.microsoft.com/office/drawing/2014/main" val="1885309939"/>
-                  </a:ext>
-                </a:extLst>
-              </a:tr>
-              <a:tr h="352096">
-                <a:tc>
-                  <a:txBody>
-                    <a:bodyPr/>
-                    <a:lstStyle/>
-                    <a:p>
-                      <a:r>
-                        <a:rPr lang="en-US" sz="1800" noProof="1"/>
-                        <a:t>iata_code</a:t>
-                      </a:r>
-                    </a:p>
-                  </a:txBody>
-                  <a:tcPr/>
-                </a:tc>
-                <a:extLst>
-                  <a:ext uri="{0D108BD9-81ED-4DB2-BD59-A6C34878D82A}">
-                    <a16:rowId xmlns:a16="http://schemas.microsoft.com/office/drawing/2014/main" val="2058724095"/>
-                  </a:ext>
-                </a:extLst>
-              </a:tr>
-              <a:tr h="352096">
-                <a:tc>
-                  <a:txBody>
-                    <a:bodyPr/>
-                    <a:lstStyle/>
-                    <a:p>
-                      <a:r>
-                        <a:rPr lang="en-US" sz="1800" noProof="1"/>
-                        <a:t>local_code</a:t>
-                      </a:r>
-                    </a:p>
-                  </a:txBody>
-                  <a:tcPr/>
-                </a:tc>
-                <a:extLst>
-                  <a:ext uri="{0D108BD9-81ED-4DB2-BD59-A6C34878D82A}">
-                    <a16:rowId xmlns:a16="http://schemas.microsoft.com/office/drawing/2014/main" val="3894170234"/>
-                  </a:ext>
-                </a:extLst>
-              </a:tr>
-              <a:tr h="352096">
-                <a:tc>
-                  <a:txBody>
-                    <a:bodyPr/>
-                    <a:lstStyle/>
-                    <a:p>
-                      <a:r>
-                        <a:rPr lang="en-US" sz="1800" noProof="1"/>
+                        <a:rPr lang="en-US" sz="2100" noProof="1"/>
                         <a:t>coordinates</a:t>
                       </a:r>
                     </a:p>
                   </a:txBody>
-                  <a:tcPr/>
+                  <a:tcPr marL="104226" marR="104226" marT="52113" marB="52113"/>
                 </a:tc>
                 <a:extLst>
                   <a:ext uri="{0D108BD9-81ED-4DB2-BD59-A6C34878D82A}">
@@ -4933,14 +4943,14 @@
           <p:nvPr>
             <p:extLst>
               <p:ext uri="{D42A27DB-BD31-4B8C-83A1-F6EECF244321}">
-                <p14:modId xmlns:p14="http://schemas.microsoft.com/office/powerpoint/2010/main" val="2721938704"/>
+                <p14:modId xmlns:p14="http://schemas.microsoft.com/office/powerpoint/2010/main" val="2097362857"/>
               </p:ext>
             </p:extLst>
           </p:nvPr>
         </p:nvGraphicFramePr>
         <p:xfrm>
-          <a:off x="9122555" y="511039"/>
-          <a:ext cx="2669546" cy="3200400"/>
+          <a:off x="7666102" y="852587"/>
+          <a:ext cx="3042821" cy="4138434"/>
         </p:xfrm>
         <a:graphic>
           <a:graphicData uri="http://schemas.openxmlformats.org/drawingml/2006/table">
@@ -4949,7 +4959,7 @@
                 <a:tableStyleId>{5C22544A-7EE6-4342-B048-85BDC9FD1C3A}</a:tableStyleId>
               </a:tblPr>
               <a:tblGrid>
-                <a:gridCol w="2669546">
+                <a:gridCol w="3042821">
                   <a:extLst>
                     <a:ext uri="{9D8B030D-6E8A-4147-A177-3AD203B41FA5}">
                       <a16:colId xmlns:a16="http://schemas.microsoft.com/office/drawing/2014/main" val="725001771"/>
@@ -4957,7 +4967,7 @@
                   </a:extLst>
                 </a:gridCol>
               </a:tblGrid>
-              <a:tr h="352096">
+              <a:tr h="416903">
                 <a:tc>
                   <a:txBody>
                     <a:bodyPr/>
@@ -4965,12 +4975,12 @@
                     <a:p>
                       <a:pPr algn="ctr"/>
                       <a:r>
-                        <a:rPr lang="en-US" sz="1800" noProof="1"/>
+                        <a:rPr lang="en-US" sz="2100" noProof="1"/>
                         <a:t>temperature</a:t>
                       </a:r>
                     </a:p>
                   </a:txBody>
-                  <a:tcPr/>
+                  <a:tcPr marL="104226" marR="104226" marT="52113" marB="52113"/>
                 </a:tc>
                 <a:extLst>
                   <a:ext uri="{0D108BD9-81ED-4DB2-BD59-A6C34878D82A}">
@@ -4978,7 +4988,7 @@
                   </a:ext>
                 </a:extLst>
               </a:tr>
-              <a:tr h="352096">
+              <a:tr h="416903">
                 <a:tc>
                   <a:txBody>
                     <a:bodyPr/>
@@ -5002,20 +5012,20 @@
                         <a:defRPr/>
                       </a:pPr>
                       <a:r>
-                        <a:rPr lang="en-US" sz="1800" noProof="1"/>
-                        <a:t>dt</a:t>
+                        <a:rPr lang="en-US" sz="2100" noProof="1"/>
+                        <a:t>temp_idx</a:t>
                       </a:r>
                     </a:p>
                   </a:txBody>
-                  <a:tcPr/>
+                  <a:tcPr marL="104226" marR="104226" marT="52113" marB="52113"/>
                 </a:tc>
                 <a:extLst>
                   <a:ext uri="{0D108BD9-81ED-4DB2-BD59-A6C34878D82A}">
-                    <a16:rowId xmlns:a16="http://schemas.microsoft.com/office/drawing/2014/main" val="1499575497"/>
+                    <a16:rowId xmlns:a16="http://schemas.microsoft.com/office/drawing/2014/main" val="2750515207"/>
                   </a:ext>
                 </a:extLst>
               </a:tr>
-              <a:tr h="352096">
+              <a:tr h="416903">
                 <a:tc>
                   <a:txBody>
                     <a:bodyPr/>
@@ -5039,20 +5049,20 @@
                         <a:defRPr/>
                       </a:pPr>
                       <a:r>
-                        <a:rPr lang="en-US" sz="1800" noProof="1"/>
-                        <a:t>averagetemperature</a:t>
+                        <a:rPr lang="en-US" sz="2100" noProof="1"/>
+                        <a:t>dt</a:t>
                       </a:r>
                     </a:p>
                   </a:txBody>
-                  <a:tcPr/>
+                  <a:tcPr marL="104226" marR="104226" marT="52113" marB="52113"/>
                 </a:tc>
                 <a:extLst>
                   <a:ext uri="{0D108BD9-81ED-4DB2-BD59-A6C34878D82A}">
-                    <a16:rowId xmlns:a16="http://schemas.microsoft.com/office/drawing/2014/main" val="272324058"/>
+                    <a16:rowId xmlns:a16="http://schemas.microsoft.com/office/drawing/2014/main" val="1499575497"/>
                   </a:ext>
                 </a:extLst>
               </a:tr>
-              <a:tr h="352096">
+              <a:tr h="416903">
                 <a:tc>
                   <a:txBody>
                     <a:bodyPr/>
@@ -5076,20 +5086,20 @@
                         <a:defRPr/>
                       </a:pPr>
                       <a:r>
-                        <a:rPr lang="en-US" sz="1800" noProof="1"/>
-                        <a:t>averagetemperatureuncertainity</a:t>
+                        <a:rPr lang="en-US" sz="2100" noProof="1"/>
+                        <a:t>AverageTemperature</a:t>
                       </a:r>
                     </a:p>
                   </a:txBody>
-                  <a:tcPr/>
+                  <a:tcPr marL="104226" marR="104226" marT="52113" marB="52113"/>
                 </a:tc>
                 <a:extLst>
                   <a:ext uri="{0D108BD9-81ED-4DB2-BD59-A6C34878D82A}">
-                    <a16:rowId xmlns:a16="http://schemas.microsoft.com/office/drawing/2014/main" val="2585117394"/>
+                    <a16:rowId xmlns:a16="http://schemas.microsoft.com/office/drawing/2014/main" val="272324058"/>
                   </a:ext>
                 </a:extLst>
               </a:tr>
-              <a:tr h="352096">
+              <a:tr h="729581">
                 <a:tc>
                   <a:txBody>
                     <a:bodyPr/>
@@ -5113,12 +5123,53 @@
                         <a:defRPr/>
                       </a:pPr>
                       <a:r>
-                        <a:rPr lang="en-US" sz="1800" noProof="1"/>
-                        <a:t>city</a:t>
+                        <a:rPr lang="en-US" sz="2100" noProof="1"/>
+                        <a:t>AverageTemperatureUncertainity</a:t>
                       </a:r>
                     </a:p>
                   </a:txBody>
-                  <a:tcPr/>
+                  <a:tcPr marL="104226" marR="104226" marT="52113" marB="52113"/>
+                </a:tc>
+                <a:extLst>
+                  <a:ext uri="{0D108BD9-81ED-4DB2-BD59-A6C34878D82A}">
+                    <a16:rowId xmlns:a16="http://schemas.microsoft.com/office/drawing/2014/main" val="2585117394"/>
+                  </a:ext>
+                </a:extLst>
+              </a:tr>
+              <a:tr h="416903">
+                <a:tc>
+                  <a:txBody>
+                    <a:bodyPr/>
+                    <a:lstStyle/>
+                    <a:p>
+                      <a:pPr marL="0" marR="0" lvl="0" indent="0" algn="l" defTabSz="1394460" rtl="0" eaLnBrk="1" fontAlgn="auto" latinLnBrk="0" hangingPunct="1">
+                        <a:lnSpc>
+                          <a:spcPct val="100000"/>
+                        </a:lnSpc>
+                        <a:spcBef>
+                          <a:spcPts val="0"/>
+                        </a:spcBef>
+                        <a:spcAft>
+                          <a:spcPts val="0"/>
+                        </a:spcAft>
+                        <a:buClrTx/>
+                        <a:buSzTx/>
+                        <a:buFontTx/>
+                        <a:buNone/>
+                        <a:tabLst/>
+                        <a:defRPr/>
+                      </a:pPr>
+                      <a:r>
+                        <a:rPr lang="en-US" sz="2100" noProof="1">
+                          <a:solidFill>
+                            <a:srgbClr val="FF0000"/>
+                          </a:solidFill>
+                        </a:rPr>
+                        <a:t>City</a:t>
+                      </a:r>
+                    </a:p>
+                  </a:txBody>
+                  <a:tcPr marL="104226" marR="104226" marT="52113" marB="52113"/>
                 </a:tc>
                 <a:extLst>
                   <a:ext uri="{0D108BD9-81ED-4DB2-BD59-A6C34878D82A}">
@@ -5126,19 +5177,19 @@
                   </a:ext>
                 </a:extLst>
               </a:tr>
-              <a:tr h="352096">
+              <a:tr h="416903">
                 <a:tc>
                   <a:txBody>
                     <a:bodyPr/>
                     <a:lstStyle/>
                     <a:p>
                       <a:r>
-                        <a:rPr lang="en-US" sz="1800" noProof="1"/>
-                        <a:t>country</a:t>
+                        <a:rPr lang="en-US" sz="2100" noProof="1"/>
+                        <a:t>Country</a:t>
                       </a:r>
                     </a:p>
                   </a:txBody>
-                  <a:tcPr/>
+                  <a:tcPr marL="104226" marR="104226" marT="52113" marB="52113"/>
                 </a:tc>
                 <a:extLst>
                   <a:ext uri="{0D108BD9-81ED-4DB2-BD59-A6C34878D82A}">
@@ -5146,19 +5197,19 @@
                   </a:ext>
                 </a:extLst>
               </a:tr>
-              <a:tr h="352096">
+              <a:tr h="416903">
                 <a:tc>
                   <a:txBody>
                     <a:bodyPr/>
                     <a:lstStyle/>
                     <a:p>
                       <a:r>
-                        <a:rPr lang="en-US" sz="1800" noProof="1"/>
-                        <a:t>latitude</a:t>
+                        <a:rPr lang="en-US" sz="2100" noProof="1"/>
+                        <a:t>Latitude</a:t>
                       </a:r>
                     </a:p>
                   </a:txBody>
-                  <a:tcPr/>
+                  <a:tcPr marL="104226" marR="104226" marT="52113" marB="52113"/>
                 </a:tc>
                 <a:extLst>
                   <a:ext uri="{0D108BD9-81ED-4DB2-BD59-A6C34878D82A}">
@@ -5166,19 +5217,19 @@
                   </a:ext>
                 </a:extLst>
               </a:tr>
-              <a:tr h="352096">
+              <a:tr h="416903">
                 <a:tc>
                   <a:txBody>
                     <a:bodyPr/>
                     <a:lstStyle/>
                     <a:p>
                       <a:r>
-                        <a:rPr lang="en-US" sz="1800" noProof="1"/>
-                        <a:t>longitude</a:t>
+                        <a:rPr lang="en-US" sz="2100" noProof="1"/>
+                        <a:t>Longitude</a:t>
                       </a:r>
                     </a:p>
                   </a:txBody>
-                  <a:tcPr/>
+                  <a:tcPr marL="104226" marR="104226" marT="52113" marB="52113"/>
                 </a:tc>
                 <a:extLst>
                   <a:ext uri="{0D108BD9-81ED-4DB2-BD59-A6C34878D82A}">
@@ -5190,46 +5241,6 @@
           </a:graphicData>
         </a:graphic>
       </p:graphicFrame>
-      <p:cxnSp>
-        <p:nvCxnSpPr>
-          <p:cNvPr id="23" name="Conector: angular 22">
-            <a:extLst>
-              <a:ext uri="{FF2B5EF4-FFF2-40B4-BE49-F238E27FC236}">
-                <a16:creationId xmlns:a16="http://schemas.microsoft.com/office/drawing/2014/main" id="{848AB8F7-ACFD-48E7-9EC8-67C3041AD2B2}"/>
-              </a:ext>
-            </a:extLst>
-          </p:cNvPr>
-          <p:cNvCxnSpPr>
-            <a:cxnSpLocks/>
-          </p:cNvCxnSpPr>
-          <p:nvPr/>
-        </p:nvCxnSpPr>
-        <p:spPr>
-          <a:xfrm>
-            <a:off x="3395478" y="3947886"/>
-            <a:ext cx="1459877" cy="377371"/>
-          </a:xfrm>
-          <a:prstGeom prst="bentConnector3">
-            <a:avLst>
-              <a:gd name="adj1" fmla="val 50000"/>
-            </a:avLst>
-          </a:prstGeom>
-        </p:spPr>
-        <p:style>
-          <a:lnRef idx="1">
-            <a:schemeClr val="accent1"/>
-          </a:lnRef>
-          <a:fillRef idx="0">
-            <a:schemeClr val="accent1"/>
-          </a:fillRef>
-          <a:effectRef idx="0">
-            <a:schemeClr val="accent1"/>
-          </a:effectRef>
-          <a:fontRef idx="minor">
-            <a:schemeClr val="tx1"/>
-          </a:fontRef>
-        </p:style>
-      </p:cxnSp>
     </p:spTree>
     <p:extLst>
       <p:ext uri="{BB962C8B-B14F-4D97-AF65-F5344CB8AC3E}">
